--- a/Presentation-Sangho.pptx
+++ b/Presentation-Sangho.pptx
@@ -113,13 +113,18 @@
       </a:defRPr>
     </a:lvl9pPr>
   </p:defaultTextStyle>
+  <p:extLst>
+    <p:ext uri="{EFAFB233-063F-42B5-8137-9DF3F51BA10A}">
+      <p15:sldGuideLst xmlns:p15="http://schemas.microsoft.com/office/powerpoint/2012/main"/>
+    </p:ext>
+  </p:extLst>
 </p:presentation>
 </file>
 
 <file path=ppt/revisionInfo.xml><?xml version="1.0" encoding="utf-8"?>
 <p1510:revInfo xmlns:a="http://schemas.openxmlformats.org/drawingml/2006/main" xmlns:r="http://schemas.openxmlformats.org/officeDocument/2006/relationships" xmlns:p1510="http://schemas.microsoft.com/office/powerpoint/2015/10/main">
   <p1510:revLst>
-    <p1510:client id="{C52D55F7-C491-4C93-AABD-165EB630FCE9}" v="312" dt="2025-01-07T08:28:39.752"/>
+    <p1510:client id="{C52D55F7-C491-4C93-AABD-165EB630FCE9}" v="319" dt="2025-01-08T02:20:10.664"/>
   </p1510:revLst>
 </p1510:revInfo>
 </file>
@@ -129,7 +134,7 @@
   <pc:docChgLst>
     <pc:chgData name="Lee, Stan" userId="1f2aa4fb-e40e-488c-8fd9-81a684fd3151" providerId="ADAL" clId="{C52D55F7-C491-4C93-AABD-165EB630FCE9}"/>
     <pc:docChg chg="undo redo custSel addSld delSld modSld sldOrd">
-      <pc:chgData name="Lee, Stan" userId="1f2aa4fb-e40e-488c-8fd9-81a684fd3151" providerId="ADAL" clId="{C52D55F7-C491-4C93-AABD-165EB630FCE9}" dt="2025-01-07T08:28:54.452" v="3447" actId="14100"/>
+      <pc:chgData name="Lee, Stan" userId="1f2aa4fb-e40e-488c-8fd9-81a684fd3151" providerId="ADAL" clId="{C52D55F7-C491-4C93-AABD-165EB630FCE9}" dt="2025-01-08T02:22:54.859" v="3600" actId="1076"/>
       <pc:docMkLst>
         <pc:docMk/>
       </pc:docMkLst>
@@ -1089,7 +1094,7 @@
         </pc:picChg>
       </pc:sldChg>
       <pc:sldChg chg="addSp delSp modSp new mod setBg">
-        <pc:chgData name="Lee, Stan" userId="1f2aa4fb-e40e-488c-8fd9-81a684fd3151" providerId="ADAL" clId="{C52D55F7-C491-4C93-AABD-165EB630FCE9}" dt="2025-01-07T00:21:29.085" v="2079"/>
+        <pc:chgData name="Lee, Stan" userId="1f2aa4fb-e40e-488c-8fd9-81a684fd3151" providerId="ADAL" clId="{C52D55F7-C491-4C93-AABD-165EB630FCE9}" dt="2025-01-08T02:20:48.105" v="3591" actId="1076"/>
         <pc:sldMkLst>
           <pc:docMk/>
           <pc:sldMk cId="3507485773" sldId="258"/>
@@ -1398,8 +1403,16 @@
             <ac:grpSpMk id="216" creationId="{503732D8-B94C-A40C-7314-FEFF651A276E}"/>
           </ac:grpSpMkLst>
         </pc:grpChg>
+        <pc:picChg chg="add mod">
+          <ac:chgData name="Lee, Stan" userId="1f2aa4fb-e40e-488c-8fd9-81a684fd3151" providerId="ADAL" clId="{C52D55F7-C491-4C93-AABD-165EB630FCE9}" dt="2025-01-08T02:20:08.142" v="3578"/>
+          <ac:picMkLst>
+            <pc:docMk/>
+            <pc:sldMk cId="3507485773" sldId="258"/>
+            <ac:picMk id="2" creationId="{2FEF411C-0A45-D626-E215-0AD06DCEE467}"/>
+          </ac:picMkLst>
+        </pc:picChg>
         <pc:picChg chg="add mod ord">
-          <ac:chgData name="Lee, Stan" userId="1f2aa4fb-e40e-488c-8fd9-81a684fd3151" providerId="ADAL" clId="{C52D55F7-C491-4C93-AABD-165EB630FCE9}" dt="2025-01-06T22:00:23.716" v="870" actId="1076"/>
+          <ac:chgData name="Lee, Stan" userId="1f2aa4fb-e40e-488c-8fd9-81a684fd3151" providerId="ADAL" clId="{C52D55F7-C491-4C93-AABD-165EB630FCE9}" dt="2025-01-08T02:20:48.105" v="3591" actId="1076"/>
           <ac:picMkLst>
             <pc:docMk/>
             <pc:sldMk cId="3507485773" sldId="258"/>
@@ -1455,7 +1468,7 @@
           </ac:picMkLst>
         </pc:picChg>
         <pc:picChg chg="add mod">
-          <ac:chgData name="Lee, Stan" userId="1f2aa4fb-e40e-488c-8fd9-81a684fd3151" providerId="ADAL" clId="{C52D55F7-C491-4C93-AABD-165EB630FCE9}" dt="2025-01-06T22:00:24.849" v="871" actId="1076"/>
+          <ac:chgData name="Lee, Stan" userId="1f2aa4fb-e40e-488c-8fd9-81a684fd3151" providerId="ADAL" clId="{C52D55F7-C491-4C93-AABD-165EB630FCE9}" dt="2025-01-08T02:20:46.775" v="3590" actId="1076"/>
           <ac:picMkLst>
             <pc:docMk/>
             <pc:sldMk cId="3507485773" sldId="258"/>
@@ -1486,8 +1499,8 @@
             <ac:picMk id="222" creationId="{479830E0-653E-80DA-CD37-1D76AB76ACB3}"/>
           </ac:picMkLst>
         </pc:picChg>
-        <pc:picChg chg="add mod">
-          <ac:chgData name="Lee, Stan" userId="1f2aa4fb-e40e-488c-8fd9-81a684fd3151" providerId="ADAL" clId="{C52D55F7-C491-4C93-AABD-165EB630FCE9}" dt="2025-01-07T00:21:29.085" v="2079"/>
+        <pc:picChg chg="add del mod">
+          <ac:chgData name="Lee, Stan" userId="1f2aa4fb-e40e-488c-8fd9-81a684fd3151" providerId="ADAL" clId="{C52D55F7-C491-4C93-AABD-165EB630FCE9}" dt="2025-01-08T02:20:44.955" v="3589" actId="478"/>
           <ac:picMkLst>
             <pc:docMk/>
             <pc:sldMk cId="3507485773" sldId="258"/>
@@ -1520,7 +1533,7 @@
         </pc:cxnChg>
       </pc:sldChg>
       <pc:sldChg chg="addSp delSp modSp new mod setBg">
-        <pc:chgData name="Lee, Stan" userId="1f2aa4fb-e40e-488c-8fd9-81a684fd3151" providerId="ADAL" clId="{C52D55F7-C491-4C93-AABD-165EB630FCE9}" dt="2025-01-07T08:28:54.452" v="3447" actId="14100"/>
+        <pc:chgData name="Lee, Stan" userId="1f2aa4fb-e40e-488c-8fd9-81a684fd3151" providerId="ADAL" clId="{C52D55F7-C491-4C93-AABD-165EB630FCE9}" dt="2025-01-08T02:22:54.859" v="3600" actId="1076"/>
         <pc:sldMkLst>
           <pc:docMk/>
           <pc:sldMk cId="3241662121" sldId="259"/>
@@ -1670,7 +1683,7 @@
           </ac:spMkLst>
         </pc:spChg>
         <pc:spChg chg="add mod">
-          <ac:chgData name="Lee, Stan" userId="1f2aa4fb-e40e-488c-8fd9-81a684fd3151" providerId="ADAL" clId="{C52D55F7-C491-4C93-AABD-165EB630FCE9}" dt="2025-01-07T08:28:54.452" v="3447" actId="14100"/>
+          <ac:chgData name="Lee, Stan" userId="1f2aa4fb-e40e-488c-8fd9-81a684fd3151" providerId="ADAL" clId="{C52D55F7-C491-4C93-AABD-165EB630FCE9}" dt="2025-01-08T02:22:54.859" v="3600" actId="1076"/>
           <ac:spMkLst>
             <pc:docMk/>
             <pc:sldMk cId="3241662121" sldId="259"/>
@@ -1678,13 +1691,21 @@
           </ac:spMkLst>
         </pc:spChg>
         <pc:grpChg chg="add mod">
-          <ac:chgData name="Lee, Stan" userId="1f2aa4fb-e40e-488c-8fd9-81a684fd3151" providerId="ADAL" clId="{C52D55F7-C491-4C93-AABD-165EB630FCE9}" dt="2025-01-07T08:28:19.659" v="3439" actId="1076"/>
+          <ac:chgData name="Lee, Stan" userId="1f2aa4fb-e40e-488c-8fd9-81a684fd3151" providerId="ADAL" clId="{C52D55F7-C491-4C93-AABD-165EB630FCE9}" dt="2025-01-08T02:20:26.138" v="3583" actId="1076"/>
           <ac:grpSpMkLst>
             <pc:docMk/>
             <pc:sldMk cId="3241662121" sldId="259"/>
             <ac:grpSpMk id="47" creationId="{3605A467-FD7F-DEDA-7BFD-E8DD555F3524}"/>
           </ac:grpSpMkLst>
         </pc:grpChg>
+        <pc:picChg chg="add mod">
+          <ac:chgData name="Lee, Stan" userId="1f2aa4fb-e40e-488c-8fd9-81a684fd3151" providerId="ADAL" clId="{C52D55F7-C491-4C93-AABD-165EB630FCE9}" dt="2025-01-08T02:19:58.787" v="3576"/>
+          <ac:picMkLst>
+            <pc:docMk/>
+            <pc:sldMk cId="3241662121" sldId="259"/>
+            <ac:picMk id="2" creationId="{527D3C3A-3A55-AAF6-1744-AF91FF4924B0}"/>
+          </ac:picMkLst>
+        </pc:picChg>
         <pc:picChg chg="add del mod">
           <ac:chgData name="Lee, Stan" userId="1f2aa4fb-e40e-488c-8fd9-81a684fd3151" providerId="ADAL" clId="{C52D55F7-C491-4C93-AABD-165EB630FCE9}" dt="2025-01-06T11:37:13.383" v="549" actId="478"/>
           <ac:picMkLst>
@@ -1733,8 +1754,8 @@
             <ac:picMk id="19" creationId="{E70CC360-1D24-330E-8CA2-172B4F8717A3}"/>
           </ac:picMkLst>
         </pc:picChg>
-        <pc:picChg chg="add mod">
-          <ac:chgData name="Lee, Stan" userId="1f2aa4fb-e40e-488c-8fd9-81a684fd3151" providerId="ADAL" clId="{C52D55F7-C491-4C93-AABD-165EB630FCE9}" dt="2025-01-06T11:47:24.187" v="671"/>
+        <pc:picChg chg="add del mod">
+          <ac:chgData name="Lee, Stan" userId="1f2aa4fb-e40e-488c-8fd9-81a684fd3151" providerId="ADAL" clId="{C52D55F7-C491-4C93-AABD-165EB630FCE9}" dt="2025-01-08T02:20:28.794" v="3584" actId="478"/>
           <ac:picMkLst>
             <pc:docMk/>
             <pc:sldMk cId="3241662121" sldId="259"/>
@@ -1782,7 +1803,7 @@
           </ac:picMkLst>
         </pc:picChg>
         <pc:picChg chg="add mod">
-          <ac:chgData name="Lee, Stan" userId="1f2aa4fb-e40e-488c-8fd9-81a684fd3151" providerId="ADAL" clId="{C52D55F7-C491-4C93-AABD-165EB630FCE9}" dt="2025-01-07T08:28:17.162" v="3438" actId="1076"/>
+          <ac:chgData name="Lee, Stan" userId="1f2aa4fb-e40e-488c-8fd9-81a684fd3151" providerId="ADAL" clId="{C52D55F7-C491-4C93-AABD-165EB630FCE9}" dt="2025-01-08T02:20:24.855" v="3582" actId="1076"/>
           <ac:picMkLst>
             <pc:docMk/>
             <pc:sldMk cId="3241662121" sldId="259"/>
@@ -2093,19 +2114,27 @@
         </pc:grpChg>
       </pc:sldChg>
       <pc:sldChg chg="addSp delSp modSp add mod setBg delDesignElem">
-        <pc:chgData name="Lee, Stan" userId="1f2aa4fb-e40e-488c-8fd9-81a684fd3151" providerId="ADAL" clId="{C52D55F7-C491-4C93-AABD-165EB630FCE9}" dt="2025-01-07T03:43:40.331" v="3088" actId="20577"/>
+        <pc:chgData name="Lee, Stan" userId="1f2aa4fb-e40e-488c-8fd9-81a684fd3151" providerId="ADAL" clId="{C52D55F7-C491-4C93-AABD-165EB630FCE9}" dt="2025-01-08T02:21:21.570" v="3599" actId="1076"/>
         <pc:sldMkLst>
           <pc:docMk/>
           <pc:sldMk cId="2933993192" sldId="261"/>
         </pc:sldMkLst>
         <pc:spChg chg="mod">
-          <ac:chgData name="Lee, Stan" userId="1f2aa4fb-e40e-488c-8fd9-81a684fd3151" providerId="ADAL" clId="{C52D55F7-C491-4C93-AABD-165EB630FCE9}" dt="2025-01-06T22:03:45.672" v="889" actId="962"/>
+          <ac:chgData name="Lee, Stan" userId="1f2aa4fb-e40e-488c-8fd9-81a684fd3151" providerId="ADAL" clId="{C52D55F7-C491-4C93-AABD-165EB630FCE9}" dt="2025-01-08T02:21:21.570" v="3599" actId="1076"/>
           <ac:spMkLst>
             <pc:docMk/>
             <pc:sldMk cId="2933993192" sldId="261"/>
             <ac:spMk id="5" creationId="{49485135-B6DE-94AC-7E3B-5A53D868ABE0}"/>
           </ac:spMkLst>
         </pc:spChg>
+        <pc:spChg chg="mod">
+          <ac:chgData name="Lee, Stan" userId="1f2aa4fb-e40e-488c-8fd9-81a684fd3151" providerId="ADAL" clId="{C52D55F7-C491-4C93-AABD-165EB630FCE9}" dt="2025-01-08T02:21:18.735" v="3597" actId="1076"/>
+          <ac:spMkLst>
+            <pc:docMk/>
+            <pc:sldMk cId="2933993192" sldId="261"/>
+            <ac:spMk id="7" creationId="{6210B891-3253-1330-FA11-B71C7E1E560B}"/>
+          </ac:spMkLst>
+        </pc:spChg>
         <pc:spChg chg="del">
           <ac:chgData name="Lee, Stan" userId="1f2aa4fb-e40e-488c-8fd9-81a684fd3151" providerId="ADAL" clId="{C52D55F7-C491-4C93-AABD-165EB630FCE9}" dt="2025-01-06T21:05:01.216" v="809"/>
           <ac:spMkLst>
@@ -2128,6 +2157,14 @@
             <pc:docMk/>
             <pc:sldMk cId="2933993192" sldId="261"/>
             <ac:spMk id="17" creationId="{C0878C23-D6CC-E30D-A30C-497794F0EAEE}"/>
+          </ac:spMkLst>
+        </pc:spChg>
+        <pc:spChg chg="mod">
+          <ac:chgData name="Lee, Stan" userId="1f2aa4fb-e40e-488c-8fd9-81a684fd3151" providerId="ADAL" clId="{C52D55F7-C491-4C93-AABD-165EB630FCE9}" dt="2025-01-08T02:21:18.735" v="3597" actId="1076"/>
+          <ac:spMkLst>
+            <pc:docMk/>
+            <pc:sldMk cId="2933993192" sldId="261"/>
+            <ac:spMk id="64" creationId="{119C051B-6C03-35D3-78CF-C9A30945C16E}"/>
           </ac:spMkLst>
         </pc:spChg>
         <pc:grpChg chg="del">
@@ -2139,13 +2176,21 @@
           </ac:grpSpMkLst>
         </pc:grpChg>
         <pc:graphicFrameChg chg="mod modGraphic">
-          <ac:chgData name="Lee, Stan" userId="1f2aa4fb-e40e-488c-8fd9-81a684fd3151" providerId="ADAL" clId="{C52D55F7-C491-4C93-AABD-165EB630FCE9}" dt="2025-01-07T03:43:40.331" v="3088" actId="20577"/>
+          <ac:chgData name="Lee, Stan" userId="1f2aa4fb-e40e-488c-8fd9-81a684fd3151" providerId="ADAL" clId="{C52D55F7-C491-4C93-AABD-165EB630FCE9}" dt="2025-01-08T02:21:18.735" v="3597" actId="1076"/>
           <ac:graphicFrameMkLst>
             <pc:docMk/>
             <pc:sldMk cId="2933993192" sldId="261"/>
             <ac:graphicFrameMk id="57" creationId="{167BC49D-5D30-CBC8-D1D1-1E7D0A624E2D}"/>
           </ac:graphicFrameMkLst>
         </pc:graphicFrameChg>
+        <pc:picChg chg="add mod">
+          <ac:chgData name="Lee, Stan" userId="1f2aa4fb-e40e-488c-8fd9-81a684fd3151" providerId="ADAL" clId="{C52D55F7-C491-4C93-AABD-165EB630FCE9}" dt="2025-01-08T02:20:10.664" v="3579"/>
+          <ac:picMkLst>
+            <pc:docMk/>
+            <pc:sldMk cId="2933993192" sldId="261"/>
+            <ac:picMk id="2" creationId="{9852AD54-6CC5-40B7-A0DC-5346C4EB9FED}"/>
+          </ac:picMkLst>
+        </pc:picChg>
         <pc:picChg chg="add del mod">
           <ac:chgData name="Lee, Stan" userId="1f2aa4fb-e40e-488c-8fd9-81a684fd3151" providerId="ADAL" clId="{C52D55F7-C491-4C93-AABD-165EB630FCE9}" dt="2025-01-06T22:06:25.352" v="898" actId="478"/>
           <ac:picMkLst>
@@ -2178,8 +2223,8 @@
             <ac:picMk id="16" creationId="{2C7E2C02-6080-23A4-054B-59053B294A8E}"/>
           </ac:picMkLst>
         </pc:picChg>
-        <pc:picChg chg="add mod">
-          <ac:chgData name="Lee, Stan" userId="1f2aa4fb-e40e-488c-8fd9-81a684fd3151" providerId="ADAL" clId="{C52D55F7-C491-4C93-AABD-165EB630FCE9}" dt="2025-01-07T00:21:32.348" v="2081"/>
+        <pc:picChg chg="add del mod">
+          <ac:chgData name="Lee, Stan" userId="1f2aa4fb-e40e-488c-8fd9-81a684fd3151" providerId="ADAL" clId="{C52D55F7-C491-4C93-AABD-165EB630FCE9}" dt="2025-01-08T02:21:04.425" v="3594" actId="478"/>
           <ac:picMkLst>
             <pc:docMk/>
             <pc:sldMk cId="2933993192" sldId="261"/>
@@ -2196,7 +2241,7 @@
         </pc:picChg>
       </pc:sldChg>
       <pc:sldChg chg="addSp delSp modSp new mod">
-        <pc:chgData name="Lee, Stan" userId="1f2aa4fb-e40e-488c-8fd9-81a684fd3151" providerId="ADAL" clId="{C52D55F7-C491-4C93-AABD-165EB630FCE9}" dt="2025-01-07T08:20:51.414" v="3428" actId="1076"/>
+        <pc:chgData name="Lee, Stan" userId="1f2aa4fb-e40e-488c-8fd9-81a684fd3151" providerId="ADAL" clId="{C52D55F7-C491-4C93-AABD-165EB630FCE9}" dt="2025-01-08T02:20:21.279" v="3581" actId="478"/>
         <pc:sldMkLst>
           <pc:docMk/>
           <pc:sldMk cId="1135591897" sldId="262"/>
@@ -2410,7 +2455,15 @@
           </ac:grpSpMkLst>
         </pc:grpChg>
         <pc:picChg chg="add mod">
-          <ac:chgData name="Lee, Stan" userId="1f2aa4fb-e40e-488c-8fd9-81a684fd3151" providerId="ADAL" clId="{C52D55F7-C491-4C93-AABD-165EB630FCE9}" dt="2025-01-07T03:11:22.614" v="2483"/>
+          <ac:chgData name="Lee, Stan" userId="1f2aa4fb-e40e-488c-8fd9-81a684fd3151" providerId="ADAL" clId="{C52D55F7-C491-4C93-AABD-165EB630FCE9}" dt="2025-01-08T02:19:57.320" v="3575"/>
+          <ac:picMkLst>
+            <pc:docMk/>
+            <pc:sldMk cId="1135591897" sldId="262"/>
+            <ac:picMk id="2" creationId="{6F9ED46D-E5F2-A558-41FB-758E86038E3B}"/>
+          </ac:picMkLst>
+        </pc:picChg>
+        <pc:picChg chg="add del mod">
+          <ac:chgData name="Lee, Stan" userId="1f2aa4fb-e40e-488c-8fd9-81a684fd3151" providerId="ADAL" clId="{C52D55F7-C491-4C93-AABD-165EB630FCE9}" dt="2025-01-08T02:20:21.279" v="3581" actId="478"/>
           <ac:picMkLst>
             <pc:docMk/>
             <pc:sldMk cId="1135591897" sldId="262"/>
@@ -2483,7 +2536,7 @@
         </pc:picChg>
       </pc:sldChg>
       <pc:sldChg chg="addSp delSp modSp new mod setBg setClrOvrMap">
-        <pc:chgData name="Lee, Stan" userId="1f2aa4fb-e40e-488c-8fd9-81a684fd3151" providerId="ADAL" clId="{C52D55F7-C491-4C93-AABD-165EB630FCE9}" dt="2025-01-07T02:59:55.950" v="2394" actId="14100"/>
+        <pc:chgData name="Lee, Stan" userId="1f2aa4fb-e40e-488c-8fd9-81a684fd3151" providerId="ADAL" clId="{C52D55F7-C491-4C93-AABD-165EB630FCE9}" dt="2025-01-08T02:20:41.069" v="3588" actId="1076"/>
         <pc:sldMkLst>
           <pc:docMk/>
           <pc:sldMk cId="1280454853" sldId="263"/>
@@ -2745,7 +2798,7 @@
           </ac:spMkLst>
         </pc:spChg>
         <pc:spChg chg="add mod">
-          <ac:chgData name="Lee, Stan" userId="1f2aa4fb-e40e-488c-8fd9-81a684fd3151" providerId="ADAL" clId="{C52D55F7-C491-4C93-AABD-165EB630FCE9}" dt="2025-01-07T00:22:45.629" v="2085" actId="1076"/>
+          <ac:chgData name="Lee, Stan" userId="1f2aa4fb-e40e-488c-8fd9-81a684fd3151" providerId="ADAL" clId="{C52D55F7-C491-4C93-AABD-165EB630FCE9}" dt="2025-01-08T02:20:38.179" v="3587" actId="1076"/>
           <ac:spMkLst>
             <pc:docMk/>
             <pc:sldMk cId="1280454853" sldId="263"/>
@@ -2801,7 +2854,7 @@
           </ac:grpSpMkLst>
         </pc:grpChg>
         <pc:grpChg chg="add mod">
-          <ac:chgData name="Lee, Stan" userId="1f2aa4fb-e40e-488c-8fd9-81a684fd3151" providerId="ADAL" clId="{C52D55F7-C491-4C93-AABD-165EB630FCE9}" dt="2025-01-07T00:15:45.946" v="2017" actId="26606"/>
+          <ac:chgData name="Lee, Stan" userId="1f2aa4fb-e40e-488c-8fd9-81a684fd3151" providerId="ADAL" clId="{C52D55F7-C491-4C93-AABD-165EB630FCE9}" dt="2025-01-08T02:20:41.069" v="3588" actId="1076"/>
           <ac:grpSpMkLst>
             <pc:docMk/>
             <pc:sldMk cId="1280454853" sldId="263"/>
@@ -2824,8 +2877,16 @@
             <ac:grpSpMk id="56" creationId="{D5A66B34-736B-9B19-77F3-86D17AD4F5C1}"/>
           </ac:grpSpMkLst>
         </pc:grpChg>
-        <pc:picChg chg="add mod ord">
-          <ac:chgData name="Lee, Stan" userId="1f2aa4fb-e40e-488c-8fd9-81a684fd3151" providerId="ADAL" clId="{C52D55F7-C491-4C93-AABD-165EB630FCE9}" dt="2025-01-07T00:21:13.624" v="2075" actId="1076"/>
+        <pc:picChg chg="add mod">
+          <ac:chgData name="Lee, Stan" userId="1f2aa4fb-e40e-488c-8fd9-81a684fd3151" providerId="ADAL" clId="{C52D55F7-C491-4C93-AABD-165EB630FCE9}" dt="2025-01-08T02:20:02.709" v="3577"/>
+          <ac:picMkLst>
+            <pc:docMk/>
+            <pc:sldMk cId="1280454853" sldId="263"/>
+            <ac:picMk id="2" creationId="{E6F6A763-27F8-E783-349C-4908F99315CF}"/>
+          </ac:picMkLst>
+        </pc:picChg>
+        <pc:picChg chg="add del mod ord">
+          <ac:chgData name="Lee, Stan" userId="1f2aa4fb-e40e-488c-8fd9-81a684fd3151" providerId="ADAL" clId="{C52D55F7-C491-4C93-AABD-165EB630FCE9}" dt="2025-01-08T02:20:32.002" v="3585" actId="478"/>
           <ac:picMkLst>
             <pc:docMk/>
             <pc:sldMk cId="1280454853" sldId="263"/>
@@ -2889,7 +2950,7 @@
           </ac:picMkLst>
         </pc:picChg>
         <pc:picChg chg="add mod">
-          <ac:chgData name="Lee, Stan" userId="1f2aa4fb-e40e-488c-8fd9-81a684fd3151" providerId="ADAL" clId="{C52D55F7-C491-4C93-AABD-165EB630FCE9}" dt="2025-01-07T02:59:55.950" v="2394" actId="14100"/>
+          <ac:chgData name="Lee, Stan" userId="1f2aa4fb-e40e-488c-8fd9-81a684fd3151" providerId="ADAL" clId="{C52D55F7-C491-4C93-AABD-165EB630FCE9}" dt="2025-01-08T02:20:35.775" v="3586" actId="1076"/>
           <ac:picMkLst>
             <pc:docMk/>
             <pc:sldMk cId="1280454853" sldId="263"/>
@@ -2946,7 +3007,7 @@
         </pc:cxnChg>
       </pc:sldChg>
       <pc:sldChg chg="addSp delSp modSp new mod setBg">
-        <pc:chgData name="Lee, Stan" userId="1f2aa4fb-e40e-488c-8fd9-81a684fd3151" providerId="ADAL" clId="{C52D55F7-C491-4C93-AABD-165EB630FCE9}" dt="2025-01-07T07:57:08.910" v="3158" actId="20577"/>
+        <pc:chgData name="Lee, Stan" userId="1f2aa4fb-e40e-488c-8fd9-81a684fd3151" providerId="ADAL" clId="{C52D55F7-C491-4C93-AABD-165EB630FCE9}" dt="2025-01-08T02:20:19.240" v="3580" actId="1076"/>
         <pc:sldMkLst>
           <pc:docMk/>
           <pc:sldMk cId="181008394" sldId="264"/>
@@ -2968,7 +3029,7 @@
           </ac:spMkLst>
         </pc:spChg>
         <pc:spChg chg="add mod ord">
-          <ac:chgData name="Lee, Stan" userId="1f2aa4fb-e40e-488c-8fd9-81a684fd3151" providerId="ADAL" clId="{C52D55F7-C491-4C93-AABD-165EB630FCE9}" dt="2025-01-07T07:57:08.910" v="3158" actId="20577"/>
+          <ac:chgData name="Lee, Stan" userId="1f2aa4fb-e40e-488c-8fd9-81a684fd3151" providerId="ADAL" clId="{C52D55F7-C491-4C93-AABD-165EB630FCE9}" dt="2025-01-08T01:57:53.452" v="3456" actId="1076"/>
           <ac:spMkLst>
             <pc:docMk/>
             <pc:sldMk cId="181008394" sldId="264"/>
@@ -3071,12 +3132,28 @@
             <ac:spMk id="23" creationId="{7ECA397F-8390-5F61-0D99-789015AC300C}"/>
           </ac:spMkLst>
         </pc:spChg>
+        <pc:picChg chg="add mod">
+          <ac:chgData name="Lee, Stan" userId="1f2aa4fb-e40e-488c-8fd9-81a684fd3151" providerId="ADAL" clId="{C52D55F7-C491-4C93-AABD-165EB630FCE9}" dt="2025-01-08T02:20:19.240" v="3580" actId="1076"/>
+          <ac:picMkLst>
+            <pc:docMk/>
+            <pc:sldMk cId="181008394" sldId="264"/>
+            <ac:picMk id="3" creationId="{FEC457C0-9ADA-4132-F635-FF55381C64A2}"/>
+          </ac:picMkLst>
+        </pc:picChg>
         <pc:picChg chg="add del mod ord">
           <ac:chgData name="Lee, Stan" userId="1f2aa4fb-e40e-488c-8fd9-81a684fd3151" providerId="ADAL" clId="{C52D55F7-C491-4C93-AABD-165EB630FCE9}" dt="2025-01-07T07:27:08.296" v="3113" actId="478"/>
           <ac:picMkLst>
             <pc:docMk/>
             <pc:sldMk cId="181008394" sldId="264"/>
             <ac:picMk id="4" creationId="{4528E351-AEE2-9713-F84A-D381A7EE8B8B}"/>
+          </ac:picMkLst>
+        </pc:picChg>
+        <pc:picChg chg="add del mod">
+          <ac:chgData name="Lee, Stan" userId="1f2aa4fb-e40e-488c-8fd9-81a684fd3151" providerId="ADAL" clId="{C52D55F7-C491-4C93-AABD-165EB630FCE9}" dt="2025-01-08T02:06:27.785" v="3470" actId="478"/>
+          <ac:picMkLst>
+            <pc:docMk/>
+            <pc:sldMk cId="181008394" sldId="264"/>
+            <ac:picMk id="5" creationId="{39091330-A8E6-12B3-72FA-B2120EBC654B}"/>
           </ac:picMkLst>
         </pc:picChg>
         <pc:picChg chg="add del mod ord">
@@ -3095,8 +3172,24 @@
             <ac:picMk id="7" creationId="{1BB0D8A8-F0F6-908A-86C0-CC9D61D27072}"/>
           </ac:picMkLst>
         </pc:picChg>
+        <pc:picChg chg="add mod">
+          <ac:chgData name="Lee, Stan" userId="1f2aa4fb-e40e-488c-8fd9-81a684fd3151" providerId="ADAL" clId="{C52D55F7-C491-4C93-AABD-165EB630FCE9}" dt="2025-01-08T02:19:12.329" v="3568" actId="14100"/>
+          <ac:picMkLst>
+            <pc:docMk/>
+            <pc:sldMk cId="181008394" sldId="264"/>
+            <ac:picMk id="11" creationId="{7DBE6945-46DF-5D58-2110-E2995ECEF790}"/>
+          </ac:picMkLst>
+        </pc:picChg>
+        <pc:picChg chg="add del mod">
+          <ac:chgData name="Lee, Stan" userId="1f2aa4fb-e40e-488c-8fd9-81a684fd3151" providerId="ADAL" clId="{C52D55F7-C491-4C93-AABD-165EB630FCE9}" dt="2025-01-08T02:17:44.263" v="3535" actId="478"/>
+          <ac:picMkLst>
+            <pc:docMk/>
+            <pc:sldMk cId="181008394" sldId="264"/>
+            <ac:picMk id="15" creationId="{98A30A05-76DA-CDD9-C4A3-BD1EE29095F8}"/>
+          </ac:picMkLst>
+        </pc:picChg>
         <pc:picChg chg="add mod ord">
-          <ac:chgData name="Lee, Stan" userId="1f2aa4fb-e40e-488c-8fd9-81a684fd3151" providerId="ADAL" clId="{C52D55F7-C491-4C93-AABD-165EB630FCE9}" dt="2025-01-07T07:55:56.023" v="3132" actId="166"/>
+          <ac:chgData name="Lee, Stan" userId="1f2aa4fb-e40e-488c-8fd9-81a684fd3151" providerId="ADAL" clId="{C52D55F7-C491-4C93-AABD-165EB630FCE9}" dt="2025-01-08T02:19:45.852" v="3573" actId="1076"/>
           <ac:picMkLst>
             <pc:docMk/>
             <pc:sldMk cId="181008394" sldId="264"/>
@@ -3104,11 +3197,43 @@
           </ac:picMkLst>
         </pc:picChg>
         <pc:picChg chg="add del mod">
+          <ac:chgData name="Lee, Stan" userId="1f2aa4fb-e40e-488c-8fd9-81a684fd3151" providerId="ADAL" clId="{C52D55F7-C491-4C93-AABD-165EB630FCE9}" dt="2025-01-08T02:17:05.264" v="3523" actId="478"/>
+          <ac:picMkLst>
+            <pc:docMk/>
+            <pc:sldMk cId="181008394" sldId="264"/>
+            <ac:picMk id="18" creationId="{20482611-0409-B7A9-AC4D-96C9E489CA09}"/>
+          </ac:picMkLst>
+        </pc:picChg>
+        <pc:picChg chg="add del mod">
+          <ac:chgData name="Lee, Stan" userId="1f2aa4fb-e40e-488c-8fd9-81a684fd3151" providerId="ADAL" clId="{C52D55F7-C491-4C93-AABD-165EB630FCE9}" dt="2025-01-08T02:16:59.439" v="3519" actId="478"/>
+          <ac:picMkLst>
+            <pc:docMk/>
+            <pc:sldMk cId="181008394" sldId="264"/>
+            <ac:picMk id="20" creationId="{92213919-BF41-6ED6-414A-CFE35B33401C}"/>
+          </ac:picMkLst>
+        </pc:picChg>
+        <pc:picChg chg="add mod">
+          <ac:chgData name="Lee, Stan" userId="1f2aa4fb-e40e-488c-8fd9-81a684fd3151" providerId="ADAL" clId="{C52D55F7-C491-4C93-AABD-165EB630FCE9}" dt="2025-01-08T02:19:01.789" v="3563" actId="1076"/>
+          <ac:picMkLst>
+            <pc:docMk/>
+            <pc:sldMk cId="181008394" sldId="264"/>
+            <ac:picMk id="22" creationId="{B8D0C46B-00AB-0210-4085-3C64B51A565B}"/>
+          </ac:picMkLst>
+        </pc:picChg>
+        <pc:picChg chg="add del mod">
           <ac:chgData name="Lee, Stan" userId="1f2aa4fb-e40e-488c-8fd9-81a684fd3151" providerId="ADAL" clId="{C52D55F7-C491-4C93-AABD-165EB630FCE9}" dt="2025-01-07T07:27:17.283" v="3117" actId="478"/>
           <ac:picMkLst>
             <pc:docMk/>
             <pc:sldMk cId="181008394" sldId="264"/>
             <ac:picMk id="22" creationId="{DBD27846-A8B9-194A-4940-6DF190FBDEC9}"/>
+          </ac:picMkLst>
+        </pc:picChg>
+        <pc:picChg chg="add mod">
+          <ac:chgData name="Lee, Stan" userId="1f2aa4fb-e40e-488c-8fd9-81a684fd3151" providerId="ADAL" clId="{C52D55F7-C491-4C93-AABD-165EB630FCE9}" dt="2025-01-08T02:18:55.331" v="3562" actId="1076"/>
+          <ac:picMkLst>
+            <pc:docMk/>
+            <pc:sldMk cId="181008394" sldId="264"/>
+            <ac:picMk id="24" creationId="{CA9D44ED-B032-2CDC-CA59-E4F34B6E5BCF}"/>
           </ac:picMkLst>
         </pc:picChg>
         <pc:picChg chg="add del mod">
@@ -3120,11 +3245,83 @@
           </ac:picMkLst>
         </pc:picChg>
         <pc:picChg chg="add mod">
-          <ac:chgData name="Lee, Stan" userId="1f2aa4fb-e40e-488c-8fd9-81a684fd3151" providerId="ADAL" clId="{C52D55F7-C491-4C93-AABD-165EB630FCE9}" dt="2025-01-07T07:56:33.955" v="3134" actId="14100"/>
+          <ac:chgData name="Lee, Stan" userId="1f2aa4fb-e40e-488c-8fd9-81a684fd3151" providerId="ADAL" clId="{C52D55F7-C491-4C93-AABD-165EB630FCE9}" dt="2025-01-08T02:18:22.782" v="3550" actId="1076"/>
+          <ac:picMkLst>
+            <pc:docMk/>
+            <pc:sldMk cId="181008394" sldId="264"/>
+            <ac:picMk id="26" creationId="{961739A4-B412-8E98-4E74-AA20BF106ED9}"/>
+          </ac:picMkLst>
+        </pc:picChg>
+        <pc:picChg chg="add del mod">
+          <ac:chgData name="Lee, Stan" userId="1f2aa4fb-e40e-488c-8fd9-81a684fd3151" providerId="ADAL" clId="{C52D55F7-C491-4C93-AABD-165EB630FCE9}" dt="2025-01-08T02:14:19.505" v="3474" actId="478"/>
           <ac:picMkLst>
             <pc:docMk/>
             <pc:sldMk cId="181008394" sldId="264"/>
             <ac:picMk id="27" creationId="{CE086BC5-5602-5B87-39D3-F45892F5206A}"/>
+          </ac:picMkLst>
+        </pc:picChg>
+        <pc:picChg chg="add mod">
+          <ac:chgData name="Lee, Stan" userId="1f2aa4fb-e40e-488c-8fd9-81a684fd3151" providerId="ADAL" clId="{C52D55F7-C491-4C93-AABD-165EB630FCE9}" dt="2025-01-08T02:18:40.911" v="3555" actId="1076"/>
+          <ac:picMkLst>
+            <pc:docMk/>
+            <pc:sldMk cId="181008394" sldId="264"/>
+            <ac:picMk id="29" creationId="{A25CD810-D7B8-A5EE-B5FA-EBE69EE853F8}"/>
+          </ac:picMkLst>
+        </pc:picChg>
+        <pc:picChg chg="add del mod">
+          <ac:chgData name="Lee, Stan" userId="1f2aa4fb-e40e-488c-8fd9-81a684fd3151" providerId="ADAL" clId="{C52D55F7-C491-4C93-AABD-165EB630FCE9}" dt="2025-01-08T02:17:43.207" v="3534" actId="478"/>
+          <ac:picMkLst>
+            <pc:docMk/>
+            <pc:sldMk cId="181008394" sldId="264"/>
+            <ac:picMk id="30" creationId="{BCB6F718-DE0B-B9E8-9309-E616D6A8EE9C}"/>
+          </ac:picMkLst>
+        </pc:picChg>
+        <pc:picChg chg="add del mod">
+          <ac:chgData name="Lee, Stan" userId="1f2aa4fb-e40e-488c-8fd9-81a684fd3151" providerId="ADAL" clId="{C52D55F7-C491-4C93-AABD-165EB630FCE9}" dt="2025-01-08T02:17:02.702" v="3521" actId="478"/>
+          <ac:picMkLst>
+            <pc:docMk/>
+            <pc:sldMk cId="181008394" sldId="264"/>
+            <ac:picMk id="31" creationId="{54A1E2D1-FD23-B0C8-4163-28E707611CA8}"/>
+          </ac:picMkLst>
+        </pc:picChg>
+        <pc:picChg chg="add mod">
+          <ac:chgData name="Lee, Stan" userId="1f2aa4fb-e40e-488c-8fd9-81a684fd3151" providerId="ADAL" clId="{C52D55F7-C491-4C93-AABD-165EB630FCE9}" dt="2025-01-08T02:17:40.858" v="3533" actId="14100"/>
+          <ac:picMkLst>
+            <pc:docMk/>
+            <pc:sldMk cId="181008394" sldId="264"/>
+            <ac:picMk id="32" creationId="{35BF2A30-91B0-80EF-2CCF-9C77ACBD0C0C}"/>
+          </ac:picMkLst>
+        </pc:picChg>
+        <pc:picChg chg="add del mod">
+          <ac:chgData name="Lee, Stan" userId="1f2aa4fb-e40e-488c-8fd9-81a684fd3151" providerId="ADAL" clId="{C52D55F7-C491-4C93-AABD-165EB630FCE9}" dt="2025-01-08T02:17:58.602" v="3539" actId="478"/>
+          <ac:picMkLst>
+            <pc:docMk/>
+            <pc:sldMk cId="181008394" sldId="264"/>
+            <ac:picMk id="33" creationId="{DECEED8A-6233-6DA1-EF99-1D7E5848F579}"/>
+          </ac:picMkLst>
+        </pc:picChg>
+        <pc:picChg chg="add del mod">
+          <ac:chgData name="Lee, Stan" userId="1f2aa4fb-e40e-488c-8fd9-81a684fd3151" providerId="ADAL" clId="{C52D55F7-C491-4C93-AABD-165EB630FCE9}" dt="2025-01-08T02:17:25.356" v="3529" actId="478"/>
+          <ac:picMkLst>
+            <pc:docMk/>
+            <pc:sldMk cId="181008394" sldId="264"/>
+            <ac:picMk id="34" creationId="{2A817CDE-A687-9647-6E68-5C445D963B76}"/>
+          </ac:picMkLst>
+        </pc:picChg>
+        <pc:picChg chg="add mod">
+          <ac:chgData name="Lee, Stan" userId="1f2aa4fb-e40e-488c-8fd9-81a684fd3151" providerId="ADAL" clId="{C52D55F7-C491-4C93-AABD-165EB630FCE9}" dt="2025-01-08T02:17:55.131" v="3537" actId="14100"/>
+          <ac:picMkLst>
+            <pc:docMk/>
+            <pc:sldMk cId="181008394" sldId="264"/>
+            <ac:picMk id="35" creationId="{B85C3E4B-B5B2-3550-2AC6-55FEB8F325B5}"/>
+          </ac:picMkLst>
+        </pc:picChg>
+        <pc:picChg chg="add mod">
+          <ac:chgData name="Lee, Stan" userId="1f2aa4fb-e40e-488c-8fd9-81a684fd3151" providerId="ADAL" clId="{C52D55F7-C491-4C93-AABD-165EB630FCE9}" dt="2025-01-08T02:18:28.963" v="3552" actId="1076"/>
+          <ac:picMkLst>
+            <pc:docMk/>
+            <pc:sldMk cId="181008394" sldId="264"/>
+            <ac:picMk id="36" creationId="{9CD8AC78-465F-4042-A4BF-D8CF2B44CDD3}"/>
           </ac:picMkLst>
         </pc:picChg>
       </pc:sldChg>
@@ -6602,7 +6799,7 @@
           <a:p>
             <a:fld id="{04CFEBEB-FFF7-44E7-BE24-D36C53C892B8}" type="datetimeFigureOut">
               <a:rPr lang="en-US" smtClean="0"/>
-              <a:t>1/6/2025</a:t>
+              <a:t>1/7/2025</a:t>
             </a:fld>
             <a:endParaRPr lang="en-US"/>
           </a:p>
@@ -7016,7 +7213,7 @@
           <a:p>
             <a:fld id="{53D22F81-C000-4736-AA01-2999F62FAA95}" type="datetimeFigureOut">
               <a:rPr lang="en-US" smtClean="0"/>
-              <a:t>1/5/2025</a:t>
+              <a:t>1/7/2025</a:t>
             </a:fld>
             <a:endParaRPr lang="en-US"/>
           </a:p>
@@ -7214,7 +7411,7 @@
           <a:p>
             <a:fld id="{53D22F81-C000-4736-AA01-2999F62FAA95}" type="datetimeFigureOut">
               <a:rPr lang="en-US" smtClean="0"/>
-              <a:t>1/5/2025</a:t>
+              <a:t>1/7/2025</a:t>
             </a:fld>
             <a:endParaRPr lang="en-US"/>
           </a:p>
@@ -7422,7 +7619,7 @@
           <a:p>
             <a:fld id="{53D22F81-C000-4736-AA01-2999F62FAA95}" type="datetimeFigureOut">
               <a:rPr lang="en-US" smtClean="0"/>
-              <a:t>1/5/2025</a:t>
+              <a:t>1/7/2025</a:t>
             </a:fld>
             <a:endParaRPr lang="en-US"/>
           </a:p>
@@ -7620,7 +7817,7 @@
           <a:p>
             <a:fld id="{53D22F81-C000-4736-AA01-2999F62FAA95}" type="datetimeFigureOut">
               <a:rPr lang="en-US" smtClean="0"/>
-              <a:t>1/5/2025</a:t>
+              <a:t>1/7/2025</a:t>
             </a:fld>
             <a:endParaRPr lang="en-US"/>
           </a:p>
@@ -7895,7 +8092,7 @@
           <a:p>
             <a:fld id="{53D22F81-C000-4736-AA01-2999F62FAA95}" type="datetimeFigureOut">
               <a:rPr lang="en-US" smtClean="0"/>
-              <a:t>1/5/2025</a:t>
+              <a:t>1/7/2025</a:t>
             </a:fld>
             <a:endParaRPr lang="en-US"/>
           </a:p>
@@ -8160,7 +8357,7 @@
           <a:p>
             <a:fld id="{53D22F81-C000-4736-AA01-2999F62FAA95}" type="datetimeFigureOut">
               <a:rPr lang="en-US" smtClean="0"/>
-              <a:t>1/5/2025</a:t>
+              <a:t>1/7/2025</a:t>
             </a:fld>
             <a:endParaRPr lang="en-US"/>
           </a:p>
@@ -8572,7 +8769,7 @@
           <a:p>
             <a:fld id="{53D22F81-C000-4736-AA01-2999F62FAA95}" type="datetimeFigureOut">
               <a:rPr lang="en-US" smtClean="0"/>
-              <a:t>1/5/2025</a:t>
+              <a:t>1/7/2025</a:t>
             </a:fld>
             <a:endParaRPr lang="en-US"/>
           </a:p>
@@ -8713,7 +8910,7 @@
           <a:p>
             <a:fld id="{53D22F81-C000-4736-AA01-2999F62FAA95}" type="datetimeFigureOut">
               <a:rPr lang="en-US" smtClean="0"/>
-              <a:t>1/5/2025</a:t>
+              <a:t>1/7/2025</a:t>
             </a:fld>
             <a:endParaRPr lang="en-US"/>
           </a:p>
@@ -8826,7 +9023,7 @@
           <a:p>
             <a:fld id="{53D22F81-C000-4736-AA01-2999F62FAA95}" type="datetimeFigureOut">
               <a:rPr lang="en-US" smtClean="0"/>
-              <a:t>1/5/2025</a:t>
+              <a:t>1/7/2025</a:t>
             </a:fld>
             <a:endParaRPr lang="en-US"/>
           </a:p>
@@ -9137,7 +9334,7 @@
           <a:p>
             <a:fld id="{53D22F81-C000-4736-AA01-2999F62FAA95}" type="datetimeFigureOut">
               <a:rPr lang="en-US" smtClean="0"/>
-              <a:t>1/5/2025</a:t>
+              <a:t>1/7/2025</a:t>
             </a:fld>
             <a:endParaRPr lang="en-US"/>
           </a:p>
@@ -9425,7 +9622,7 @@
           <a:p>
             <a:fld id="{53D22F81-C000-4736-AA01-2999F62FAA95}" type="datetimeFigureOut">
               <a:rPr lang="en-US" smtClean="0"/>
-              <a:t>1/5/2025</a:t>
+              <a:t>1/7/2025</a:t>
             </a:fld>
             <a:endParaRPr lang="en-US"/>
           </a:p>
@@ -9666,7 +9863,7 @@
           <a:p>
             <a:fld id="{53D22F81-C000-4736-AA01-2999F62FAA95}" type="datetimeFigureOut">
               <a:rPr lang="en-US" smtClean="0"/>
-              <a:t>1/5/2025</a:t>
+              <a:t>1/7/2025</a:t>
             </a:fld>
             <a:endParaRPr lang="en-US"/>
           </a:p>
@@ -12480,8 +12677,8 @@
         </p:nvSpPr>
         <p:spPr>
           <a:xfrm>
-            <a:off x="747079" y="220242"/>
-            <a:ext cx="11009651" cy="1058944"/>
+            <a:off x="747080" y="255197"/>
+            <a:ext cx="8457880" cy="1058944"/>
           </a:xfrm>
           <a:prstGeom prst="rect">
             <a:avLst/>
@@ -12529,7 +12726,7 @@
         </p:nvSpPr>
         <p:spPr>
           <a:xfrm>
-            <a:off x="723640" y="1261779"/>
+            <a:off x="723640" y="1493038"/>
             <a:ext cx="10792367" cy="923330"/>
           </a:xfrm>
           <a:prstGeom prst="rect">
@@ -12593,13 +12790,13 @@
           <p:nvPr>
             <p:extLst>
               <p:ext uri="{D42A27DB-BD31-4B8C-83A1-F6EECF244321}">
-                <p14:modId xmlns:p14="http://schemas.microsoft.com/office/powerpoint/2010/main" val="3683761935"/>
+                <p14:modId xmlns:p14="http://schemas.microsoft.com/office/powerpoint/2010/main" val="1050464037"/>
               </p:ext>
             </p:extLst>
           </p:nvPr>
         </p:nvGraphicFramePr>
         <p:xfrm>
-          <a:off x="512008" y="2418796"/>
+          <a:off x="512008" y="2650055"/>
           <a:ext cx="11479795" cy="3987703"/>
         </p:xfrm>
         <a:graphic>
@@ -12622,7 +12819,7 @@
         </p:nvSpPr>
         <p:spPr>
           <a:xfrm>
-            <a:off x="723640" y="2364006"/>
+            <a:off x="723640" y="2595265"/>
             <a:ext cx="10792367" cy="369332"/>
           </a:xfrm>
           <a:prstGeom prst="rect">
@@ -12646,10 +12843,10 @@
       </p:sp>
       <p:pic>
         <p:nvPicPr>
-          <p:cNvPr id="18" name="Picture 17">
+          <p:cNvPr id="2" name="Picture 1">
             <a:extLst>
               <a:ext uri="{FF2B5EF4-FFF2-40B4-BE49-F238E27FC236}">
-                <a16:creationId xmlns:a16="http://schemas.microsoft.com/office/drawing/2014/main" id="{E82083B8-D046-BE86-2359-72C41E018EDD}"/>
+                <a16:creationId xmlns:a16="http://schemas.microsoft.com/office/drawing/2014/main" id="{9852AD54-6CC5-40B7-A0DC-5346C4EB9FED}"/>
               </a:ext>
             </a:extLst>
           </p:cNvPr>
@@ -12666,7 +12863,7 @@
         </p:blipFill>
         <p:spPr>
           <a:xfrm>
-            <a:off x="9729838" y="6268535"/>
+            <a:off x="9729838" y="96619"/>
             <a:ext cx="2261965" cy="571146"/>
           </a:xfrm>
           <a:custGeom>
@@ -13642,7 +13839,7 @@
         </p:blipFill>
         <p:spPr>
           <a:xfrm>
-            <a:off x="6400027" y="2041457"/>
+            <a:off x="6400027" y="2340745"/>
             <a:ext cx="4592482" cy="3788799"/>
           </a:xfrm>
           <a:prstGeom prst="rect">
@@ -13672,7 +13869,7 @@
         </p:blipFill>
         <p:spPr>
           <a:xfrm>
-            <a:off x="5701604" y="821531"/>
+            <a:off x="5701604" y="934072"/>
             <a:ext cx="5989328" cy="1033159"/>
           </a:xfrm>
           <a:prstGeom prst="rect">
@@ -13682,10 +13879,10 @@
       </p:pic>
       <p:pic>
         <p:nvPicPr>
-          <p:cNvPr id="223" name="Picture 222">
+          <p:cNvPr id="2" name="Picture 1">
             <a:extLst>
               <a:ext uri="{FF2B5EF4-FFF2-40B4-BE49-F238E27FC236}">
-                <a16:creationId xmlns:a16="http://schemas.microsoft.com/office/drawing/2014/main" id="{6ABFD0CE-8D6E-6083-A6F8-E94126A28CAC}"/>
+                <a16:creationId xmlns:a16="http://schemas.microsoft.com/office/drawing/2014/main" id="{2FEF411C-0A45-D626-E215-0AD06DCEE467}"/>
               </a:ext>
             </a:extLst>
           </p:cNvPr>
@@ -13702,7 +13899,7 @@
         </p:blipFill>
         <p:spPr>
           <a:xfrm>
-            <a:off x="9729838" y="6268535"/>
+            <a:off x="9729838" y="96619"/>
             <a:ext cx="2261965" cy="571146"/>
           </a:xfrm>
           <a:custGeom>
@@ -13761,57 +13958,6 @@
           <a:chExt cx="0" cy="0"/>
         </a:xfrm>
       </p:grpSpPr>
-      <p:pic>
-        <p:nvPicPr>
-          <p:cNvPr id="7" name="Picture 6">
-            <a:extLst>
-              <a:ext uri="{FF2B5EF4-FFF2-40B4-BE49-F238E27FC236}">
-                <a16:creationId xmlns:a16="http://schemas.microsoft.com/office/drawing/2014/main" id="{6AA2DC91-3CD8-5FFF-4169-92411ECCDDF5}"/>
-              </a:ext>
-            </a:extLst>
-          </p:cNvPr>
-          <p:cNvPicPr>
-            <a:picLocks noChangeAspect="1"/>
-          </p:cNvPicPr>
-          <p:nvPr/>
-        </p:nvPicPr>
-        <p:blipFill>
-          <a:blip r:embed="rId2"/>
-          <a:stretch>
-            <a:fillRect/>
-          </a:stretch>
-        </p:blipFill>
-        <p:spPr>
-          <a:xfrm>
-            <a:off x="9729838" y="6268535"/>
-            <a:ext cx="2261965" cy="571146"/>
-          </a:xfrm>
-          <a:custGeom>
-            <a:avLst/>
-            <a:gdLst/>
-            <a:ahLst/>
-            <a:cxnLst/>
-            <a:rect l="l" t="t" r="r" b="b"/>
-            <a:pathLst>
-              <a:path w="4141760" h="4377846">
-                <a:moveTo>
-                  <a:pt x="0" y="0"/>
-                </a:moveTo>
-                <a:lnTo>
-                  <a:pt x="4141760" y="0"/>
-                </a:lnTo>
-                <a:lnTo>
-                  <a:pt x="4141760" y="4377846"/>
-                </a:lnTo>
-                <a:lnTo>
-                  <a:pt x="0" y="4377846"/>
-                </a:lnTo>
-                <a:close/>
-              </a:path>
-            </a:pathLst>
-          </a:custGeom>
-        </p:spPr>
-      </p:pic>
       <p:sp>
         <p:nvSpPr>
           <p:cNvPr id="9" name="TextBox 8">
@@ -14087,7 +14233,7 @@
         </p:nvGrpSpPr>
         <p:grpSpPr>
           <a:xfrm>
-            <a:off x="7111469" y="284171"/>
+            <a:off x="7111469" y="729647"/>
             <a:ext cx="4521514" cy="2373060"/>
             <a:chOff x="7111469" y="284171"/>
             <a:chExt cx="4521514" cy="2373060"/>
@@ -14195,7 +14341,7 @@
             <p:nvPr/>
           </p:nvPicPr>
           <p:blipFill>
-            <a:blip r:embed="rId3"/>
+            <a:blip r:embed="rId2"/>
             <a:stretch>
               <a:fillRect/>
             </a:stretch>
@@ -14246,7 +14392,7 @@
             <p:nvPr/>
           </p:nvPicPr>
           <p:blipFill>
-            <a:blip r:embed="rId4"/>
+            <a:blip r:embed="rId3"/>
             <a:stretch>
               <a:fillRect/>
             </a:stretch>
@@ -14261,9 +14407,9 @@
             </a:prstGeom>
           </p:spPr>
         </p:pic>
-        <mc:AlternateContent xmlns:mc="http://schemas.openxmlformats.org/markup-compatibility/2006">
-          <mc:Choice xmlns:p14="http://schemas.microsoft.com/office/powerpoint/2010/main" Requires="p14">
-            <p:contentPart p14:bwMode="auto" r:id="rId5">
+        <mc:AlternateContent xmlns:mc="http://schemas.openxmlformats.org/markup-compatibility/2006" xmlns:p14="http://schemas.microsoft.com/office/powerpoint/2010/main">
+          <mc:Choice Requires="p14">
+            <p:contentPart p14:bwMode="auto" r:id="rId4">
               <p14:nvContentPartPr>
                 <p14:cNvPr id="12" name="Ink 11">
                   <a:extLst>
@@ -14281,7 +14427,7 @@
               </p14:xfrm>
             </p:contentPart>
           </mc:Choice>
-          <mc:Fallback>
+          <mc:Fallback xmlns="">
             <p:pic>
               <p:nvPicPr>
                 <p:cNvPr id="12" name="Ink 11">
@@ -14312,8 +14458,8 @@
             </p:pic>
           </mc:Fallback>
         </mc:AlternateContent>
-        <mc:AlternateContent xmlns:mc="http://schemas.openxmlformats.org/markup-compatibility/2006">
-          <mc:Choice xmlns:p14="http://schemas.microsoft.com/office/powerpoint/2010/main" Requires="p14">
+        <mc:AlternateContent xmlns:mc="http://schemas.openxmlformats.org/markup-compatibility/2006" xmlns:p14="http://schemas.microsoft.com/office/powerpoint/2010/main">
+          <mc:Choice Requires="p14">
             <p:contentPart p14:bwMode="auto" r:id="rId7">
               <p14:nvContentPartPr>
                 <p14:cNvPr id="13" name="Ink 12">
@@ -14332,7 +14478,7 @@
               </p14:xfrm>
             </p:contentPart>
           </mc:Choice>
-          <mc:Fallback>
+          <mc:Fallback xmlns="">
             <p:pic>
               <p:nvPicPr>
                 <p:cNvPr id="13" name="Ink 12">
@@ -14363,8 +14509,8 @@
             </p:pic>
           </mc:Fallback>
         </mc:AlternateContent>
-        <mc:AlternateContent xmlns:mc="http://schemas.openxmlformats.org/markup-compatibility/2006">
-          <mc:Choice xmlns:p14="http://schemas.microsoft.com/office/powerpoint/2010/main" Requires="p14">
+        <mc:AlternateContent xmlns:mc="http://schemas.openxmlformats.org/markup-compatibility/2006" xmlns:p14="http://schemas.microsoft.com/office/powerpoint/2010/main">
+          <mc:Choice Requires="p14">
             <p:contentPart p14:bwMode="auto" r:id="rId9">
               <p14:nvContentPartPr>
                 <p14:cNvPr id="14" name="Ink 13">
@@ -14383,7 +14529,7 @@
               </p14:xfrm>
             </p:contentPart>
           </mc:Choice>
-          <mc:Fallback>
+          <mc:Fallback xmlns="">
             <p:pic>
               <p:nvPicPr>
                 <p:cNvPr id="14" name="Ink 13">
@@ -14545,7 +14691,7 @@
         </p:nvSpPr>
         <p:spPr>
           <a:xfrm>
-            <a:off x="6209874" y="2836189"/>
+            <a:off x="6209874" y="3373685"/>
             <a:ext cx="5982269" cy="52803"/>
           </a:xfrm>
           <a:prstGeom prst="rect">
@@ -14611,12 +14757,63 @@
         </p:blipFill>
         <p:spPr>
           <a:xfrm>
-            <a:off x="6458226" y="3102946"/>
+            <a:off x="6458226" y="3734420"/>
             <a:ext cx="5669235" cy="3026961"/>
           </a:xfrm>
           <a:prstGeom prst="rect">
             <a:avLst/>
           </a:prstGeom>
+        </p:spPr>
+      </p:pic>
+      <p:pic>
+        <p:nvPicPr>
+          <p:cNvPr id="2" name="Picture 1">
+            <a:extLst>
+              <a:ext uri="{FF2B5EF4-FFF2-40B4-BE49-F238E27FC236}">
+                <a16:creationId xmlns:a16="http://schemas.microsoft.com/office/drawing/2014/main" id="{E6F6A763-27F8-E783-349C-4908F99315CF}"/>
+              </a:ext>
+            </a:extLst>
+          </p:cNvPr>
+          <p:cNvPicPr>
+            <a:picLocks noChangeAspect="1"/>
+          </p:cNvPicPr>
+          <p:nvPr/>
+        </p:nvPicPr>
+        <p:blipFill>
+          <a:blip r:embed="rId12"/>
+          <a:stretch>
+            <a:fillRect/>
+          </a:stretch>
+        </p:blipFill>
+        <p:spPr>
+          <a:xfrm>
+            <a:off x="9729838" y="96619"/>
+            <a:ext cx="2261965" cy="571146"/>
+          </a:xfrm>
+          <a:custGeom>
+            <a:avLst/>
+            <a:gdLst/>
+            <a:ahLst/>
+            <a:cxnLst/>
+            <a:rect l="l" t="t" r="r" b="b"/>
+            <a:pathLst>
+              <a:path w="4141760" h="4377846">
+                <a:moveTo>
+                  <a:pt x="0" y="0"/>
+                </a:moveTo>
+                <a:lnTo>
+                  <a:pt x="4141760" y="0"/>
+                </a:lnTo>
+                <a:lnTo>
+                  <a:pt x="4141760" y="4377846"/>
+                </a:lnTo>
+                <a:lnTo>
+                  <a:pt x="0" y="4377846"/>
+                </a:lnTo>
+                <a:close/>
+              </a:path>
+            </a:pathLst>
+          </a:custGeom>
         </p:spPr>
       </p:pic>
     </p:spTree>
@@ -14684,57 +14881,6 @@
           </a:p>
         </p:txBody>
       </p:sp>
-      <p:pic>
-        <p:nvPicPr>
-          <p:cNvPr id="21" name="Picture 20">
-            <a:extLst>
-              <a:ext uri="{FF2B5EF4-FFF2-40B4-BE49-F238E27FC236}">
-                <a16:creationId xmlns:a16="http://schemas.microsoft.com/office/drawing/2014/main" id="{94223B4F-7656-62C9-6C6D-3D5286121D4E}"/>
-              </a:ext>
-            </a:extLst>
-          </p:cNvPr>
-          <p:cNvPicPr>
-            <a:picLocks noChangeAspect="1"/>
-          </p:cNvPicPr>
-          <p:nvPr/>
-        </p:nvPicPr>
-        <p:blipFill>
-          <a:blip r:embed="rId2"/>
-          <a:stretch>
-            <a:fillRect/>
-          </a:stretch>
-        </p:blipFill>
-        <p:spPr>
-          <a:xfrm>
-            <a:off x="9729838" y="6120926"/>
-            <a:ext cx="2261965" cy="571146"/>
-          </a:xfrm>
-          <a:custGeom>
-            <a:avLst/>
-            <a:gdLst/>
-            <a:ahLst/>
-            <a:cxnLst/>
-            <a:rect l="l" t="t" r="r" b="b"/>
-            <a:pathLst>
-              <a:path w="4141760" h="4377846">
-                <a:moveTo>
-                  <a:pt x="0" y="0"/>
-                </a:moveTo>
-                <a:lnTo>
-                  <a:pt x="4141760" y="0"/>
-                </a:lnTo>
-                <a:lnTo>
-                  <a:pt x="4141760" y="4377846"/>
-                </a:lnTo>
-                <a:lnTo>
-                  <a:pt x="0" y="4377846"/>
-                </a:lnTo>
-                <a:close/>
-              </a:path>
-            </a:pathLst>
-          </a:custGeom>
-        </p:spPr>
-      </p:pic>
       <p:grpSp>
         <p:nvGrpSpPr>
           <p:cNvPr id="47" name="Group 46">
@@ -14749,7 +14895,7 @@
         </p:nvGrpSpPr>
         <p:grpSpPr>
           <a:xfrm>
-            <a:off x="6346211" y="845567"/>
+            <a:off x="6346211" y="1092505"/>
             <a:ext cx="3174385" cy="2081654"/>
             <a:chOff x="5517011" y="372708"/>
             <a:chExt cx="3174385" cy="2081654"/>
@@ -14770,7 +14916,7 @@
             <p:nvPr/>
           </p:nvPicPr>
           <p:blipFill>
-            <a:blip r:embed="rId3"/>
+            <a:blip r:embed="rId2"/>
             <a:stretch>
               <a:fillRect/>
             </a:stretch>
@@ -14956,7 +15102,7 @@
           <p:nvPr/>
         </p:nvPicPr>
         <p:blipFill>
-          <a:blip r:embed="rId4"/>
+          <a:blip r:embed="rId3"/>
           <a:stretch>
             <a:fillRect/>
           </a:stretch>
@@ -14986,7 +15132,7 @@
           <p:nvPr/>
         </p:nvPicPr>
         <p:blipFill>
-          <a:blip r:embed="rId5"/>
+          <a:blip r:embed="rId4"/>
           <a:stretch>
             <a:fillRect/>
           </a:stretch>
@@ -15016,14 +15162,14 @@
           <p:nvPr/>
         </p:nvPicPr>
         <p:blipFill>
-          <a:blip r:embed="rId6"/>
+          <a:blip r:embed="rId5"/>
           <a:stretch>
             <a:fillRect/>
           </a:stretch>
         </p:blipFill>
         <p:spPr>
           <a:xfrm>
-            <a:off x="9495905" y="620208"/>
+            <a:off x="9495905" y="905154"/>
             <a:ext cx="2495898" cy="2762636"/>
           </a:xfrm>
           <a:prstGeom prst="rect">
@@ -15045,7 +15191,7 @@
         </p:nvSpPr>
         <p:spPr>
           <a:xfrm>
-            <a:off x="10918479" y="1321806"/>
+            <a:off x="10918479" y="1612538"/>
             <a:ext cx="665896" cy="1929333"/>
           </a:xfrm>
           <a:prstGeom prst="rect">
@@ -15083,6 +15229,57 @@
           </a:p>
         </p:txBody>
       </p:sp>
+      <p:pic>
+        <p:nvPicPr>
+          <p:cNvPr id="2" name="Picture 1">
+            <a:extLst>
+              <a:ext uri="{FF2B5EF4-FFF2-40B4-BE49-F238E27FC236}">
+                <a16:creationId xmlns:a16="http://schemas.microsoft.com/office/drawing/2014/main" id="{527D3C3A-3A55-AAF6-1744-AF91FF4924B0}"/>
+              </a:ext>
+            </a:extLst>
+          </p:cNvPr>
+          <p:cNvPicPr>
+            <a:picLocks noChangeAspect="1"/>
+          </p:cNvPicPr>
+          <p:nvPr/>
+        </p:nvPicPr>
+        <p:blipFill>
+          <a:blip r:embed="rId6"/>
+          <a:stretch>
+            <a:fillRect/>
+          </a:stretch>
+        </p:blipFill>
+        <p:spPr>
+          <a:xfrm>
+            <a:off x="9729838" y="96619"/>
+            <a:ext cx="2261965" cy="571146"/>
+          </a:xfrm>
+          <a:custGeom>
+            <a:avLst/>
+            <a:gdLst/>
+            <a:ahLst/>
+            <a:cxnLst/>
+            <a:rect l="l" t="t" r="r" b="b"/>
+            <a:pathLst>
+              <a:path w="4141760" h="4377846">
+                <a:moveTo>
+                  <a:pt x="0" y="0"/>
+                </a:moveTo>
+                <a:lnTo>
+                  <a:pt x="4141760" y="0"/>
+                </a:lnTo>
+                <a:lnTo>
+                  <a:pt x="4141760" y="4377846"/>
+                </a:lnTo>
+                <a:lnTo>
+                  <a:pt x="0" y="4377846"/>
+                </a:lnTo>
+                <a:close/>
+              </a:path>
+            </a:pathLst>
+          </a:custGeom>
+        </p:spPr>
+      </p:pic>
     </p:spTree>
     <p:extLst>
       <p:ext uri="{BB962C8B-B14F-4D97-AF65-F5344CB8AC3E}">
@@ -15149,57 +15346,6 @@
           </a:p>
         </p:txBody>
       </p:sp>
-      <p:pic>
-        <p:nvPicPr>
-          <p:cNvPr id="5" name="Picture 4">
-            <a:extLst>
-              <a:ext uri="{FF2B5EF4-FFF2-40B4-BE49-F238E27FC236}">
-                <a16:creationId xmlns:a16="http://schemas.microsoft.com/office/drawing/2014/main" id="{0CF355B9-E4E6-1B68-C8C3-0458F6B05288}"/>
-              </a:ext>
-            </a:extLst>
-          </p:cNvPr>
-          <p:cNvPicPr>
-            <a:picLocks noChangeAspect="1"/>
-          </p:cNvPicPr>
-          <p:nvPr/>
-        </p:nvPicPr>
-        <p:blipFill>
-          <a:blip r:embed="rId2"/>
-          <a:stretch>
-            <a:fillRect/>
-          </a:stretch>
-        </p:blipFill>
-        <p:spPr>
-          <a:xfrm>
-            <a:off x="9729838" y="6120926"/>
-            <a:ext cx="2261965" cy="571146"/>
-          </a:xfrm>
-          <a:custGeom>
-            <a:avLst/>
-            <a:gdLst/>
-            <a:ahLst/>
-            <a:cxnLst/>
-            <a:rect l="l" t="t" r="r" b="b"/>
-            <a:pathLst>
-              <a:path w="4141760" h="4377846">
-                <a:moveTo>
-                  <a:pt x="0" y="0"/>
-                </a:moveTo>
-                <a:lnTo>
-                  <a:pt x="4141760" y="0"/>
-                </a:lnTo>
-                <a:lnTo>
-                  <a:pt x="4141760" y="4377846"/>
-                </a:lnTo>
-                <a:lnTo>
-                  <a:pt x="0" y="4377846"/>
-                </a:lnTo>
-                <a:close/>
-              </a:path>
-            </a:pathLst>
-          </a:custGeom>
-        </p:spPr>
-      </p:pic>
       <p:grpSp>
         <p:nvGrpSpPr>
           <p:cNvPr id="22" name="Group 21">
@@ -15295,7 +15441,7 @@
             <p:nvPr/>
           </p:nvPicPr>
           <p:blipFill>
-            <a:blip r:embed="rId3"/>
+            <a:blip r:embed="rId2"/>
             <a:stretch>
               <a:fillRect/>
             </a:stretch>
@@ -15706,10 +15852,40 @@
       <p:pic>
         <p:nvPicPr>
           <p:cNvPr id="36" name="Picture 35">
-            <a:hlinkClick r:id="rId4"/>
+            <a:hlinkClick r:id="rId3"/>
             <a:extLst>
               <a:ext uri="{FF2B5EF4-FFF2-40B4-BE49-F238E27FC236}">
                 <a16:creationId xmlns:a16="http://schemas.microsoft.com/office/drawing/2014/main" id="{01ED532C-5E2A-7650-813E-D24BEFEFAF44}"/>
+              </a:ext>
+            </a:extLst>
+          </p:cNvPr>
+          <p:cNvPicPr>
+            <a:picLocks noChangeAspect="1"/>
+          </p:cNvPicPr>
+          <p:nvPr/>
+        </p:nvPicPr>
+        <p:blipFill>
+          <a:blip r:embed="rId4"/>
+          <a:stretch>
+            <a:fillRect/>
+          </a:stretch>
+        </p:blipFill>
+        <p:spPr>
+          <a:xfrm>
+            <a:off x="8255614" y="5354649"/>
+            <a:ext cx="1279325" cy="1013378"/>
+          </a:xfrm>
+          <a:prstGeom prst="rect">
+            <a:avLst/>
+          </a:prstGeom>
+        </p:spPr>
+      </p:pic>
+      <p:pic>
+        <p:nvPicPr>
+          <p:cNvPr id="2" name="Picture 1">
+            <a:extLst>
+              <a:ext uri="{FF2B5EF4-FFF2-40B4-BE49-F238E27FC236}">
+                <a16:creationId xmlns:a16="http://schemas.microsoft.com/office/drawing/2014/main" id="{6F9ED46D-E5F2-A558-41FB-758E86038E3B}"/>
               </a:ext>
             </a:extLst>
           </p:cNvPr>
@@ -15726,12 +15902,33 @@
         </p:blipFill>
         <p:spPr>
           <a:xfrm>
-            <a:off x="8255614" y="5354649"/>
-            <a:ext cx="1279325" cy="1013378"/>
+            <a:off x="9729838" y="96619"/>
+            <a:ext cx="2261965" cy="571146"/>
           </a:xfrm>
-          <a:prstGeom prst="rect">
+          <a:custGeom>
             <a:avLst/>
-          </a:prstGeom>
+            <a:gdLst/>
+            <a:ahLst/>
+            <a:cxnLst/>
+            <a:rect l="l" t="t" r="r" b="b"/>
+            <a:pathLst>
+              <a:path w="4141760" h="4377846">
+                <a:moveTo>
+                  <a:pt x="0" y="0"/>
+                </a:moveTo>
+                <a:lnTo>
+                  <a:pt x="4141760" y="0"/>
+                </a:lnTo>
+                <a:lnTo>
+                  <a:pt x="4141760" y="4377846"/>
+                </a:lnTo>
+                <a:lnTo>
+                  <a:pt x="0" y="4377846"/>
+                </a:lnTo>
+                <a:close/>
+              </a:path>
+            </a:pathLst>
+          </a:custGeom>
         </p:spPr>
       </p:pic>
     </p:spTree>
@@ -16164,8 +16361,8 @@
         </p:nvSpPr>
         <p:spPr>
           <a:xfrm>
-            <a:off x="437505" y="93881"/>
-            <a:ext cx="10297169" cy="898581"/>
+            <a:off x="437505" y="96144"/>
+            <a:ext cx="10297169" cy="634653"/>
           </a:xfrm>
           <a:prstGeom prst="rect">
             <a:avLst/>
@@ -16173,7 +16370,7 @@
         </p:spPr>
         <p:txBody>
           <a:bodyPr vert="horz" lIns="91440" tIns="45720" rIns="91440" bIns="45720" rtlCol="0" anchor="ctr">
-            <a:normAutofit/>
+            <a:normAutofit lnSpcReduction="10000"/>
           </a:bodyPr>
           <a:lstStyle/>
           <a:p>
@@ -16204,10 +16401,10 @@
       </p:sp>
       <p:pic>
         <p:nvPicPr>
-          <p:cNvPr id="27" name="Picture 26">
+          <p:cNvPr id="16" name="Picture 15">
             <a:extLst>
               <a:ext uri="{FF2B5EF4-FFF2-40B4-BE49-F238E27FC236}">
-                <a16:creationId xmlns:a16="http://schemas.microsoft.com/office/drawing/2014/main" id="{CE086BC5-5602-5B87-39D3-F45892F5206A}"/>
+                <a16:creationId xmlns:a16="http://schemas.microsoft.com/office/drawing/2014/main" id="{5DED650B-5111-E2F9-35EC-96F976F47E50}"/>
               </a:ext>
             </a:extLst>
           </p:cNvPr>
@@ -16224,37 +16421,7 @@
         </p:blipFill>
         <p:spPr>
           <a:xfrm>
-            <a:off x="437506" y="1085851"/>
-            <a:ext cx="11507147" cy="5676900"/>
-          </a:xfrm>
-          <a:prstGeom prst="rect">
-            <a:avLst/>
-          </a:prstGeom>
-        </p:spPr>
-      </p:pic>
-      <p:pic>
-        <p:nvPicPr>
-          <p:cNvPr id="16" name="Picture 15">
-            <a:extLst>
-              <a:ext uri="{FF2B5EF4-FFF2-40B4-BE49-F238E27FC236}">
-                <a16:creationId xmlns:a16="http://schemas.microsoft.com/office/drawing/2014/main" id="{5DED650B-5111-E2F9-35EC-96F976F47E50}"/>
-              </a:ext>
-            </a:extLst>
-          </p:cNvPr>
-          <p:cNvPicPr>
-            <a:picLocks noChangeAspect="1"/>
-          </p:cNvPicPr>
-          <p:nvPr/>
-        </p:nvPicPr>
-        <p:blipFill>
-          <a:blip r:embed="rId3"/>
-          <a:stretch>
-            <a:fillRect/>
-          </a:stretch>
-        </p:blipFill>
-        <p:spPr>
-          <a:xfrm>
-            <a:off x="9729838" y="6120926"/>
+            <a:off x="9729838" y="96619"/>
             <a:ext cx="2261965" cy="571146"/>
           </a:xfrm>
           <a:custGeom>
@@ -16281,6 +16448,276 @@
               </a:path>
             </a:pathLst>
           </a:custGeom>
+        </p:spPr>
+      </p:pic>
+      <p:pic>
+        <p:nvPicPr>
+          <p:cNvPr id="3" name="Picture 2">
+            <a:extLst>
+              <a:ext uri="{FF2B5EF4-FFF2-40B4-BE49-F238E27FC236}">
+                <a16:creationId xmlns:a16="http://schemas.microsoft.com/office/drawing/2014/main" id="{FEC457C0-9ADA-4132-F635-FF55381C64A2}"/>
+              </a:ext>
+            </a:extLst>
+          </p:cNvPr>
+          <p:cNvPicPr>
+            <a:picLocks noChangeAspect="1"/>
+          </p:cNvPicPr>
+          <p:nvPr/>
+        </p:nvPicPr>
+        <p:blipFill>
+          <a:blip r:embed="rId3"/>
+          <a:stretch>
+            <a:fillRect/>
+          </a:stretch>
+        </p:blipFill>
+        <p:spPr>
+          <a:xfrm>
+            <a:off x="8008714" y="4543865"/>
+            <a:ext cx="4095451" cy="2013753"/>
+          </a:xfrm>
+          <a:prstGeom prst="rect">
+            <a:avLst/>
+          </a:prstGeom>
+        </p:spPr>
+      </p:pic>
+      <p:pic>
+        <p:nvPicPr>
+          <p:cNvPr id="11" name="Picture 10">
+            <a:extLst>
+              <a:ext uri="{FF2B5EF4-FFF2-40B4-BE49-F238E27FC236}">
+                <a16:creationId xmlns:a16="http://schemas.microsoft.com/office/drawing/2014/main" id="{7DBE6945-46DF-5D58-2110-E2995ECEF790}"/>
+              </a:ext>
+            </a:extLst>
+          </p:cNvPr>
+          <p:cNvPicPr>
+            <a:picLocks noChangeAspect="1"/>
+          </p:cNvPicPr>
+          <p:nvPr/>
+        </p:nvPicPr>
+        <p:blipFill>
+          <a:blip r:embed="rId4"/>
+          <a:stretch>
+            <a:fillRect/>
+          </a:stretch>
+        </p:blipFill>
+        <p:spPr>
+          <a:xfrm>
+            <a:off x="8008716" y="2803687"/>
+            <a:ext cx="4095451" cy="1791760"/>
+          </a:xfrm>
+          <a:prstGeom prst="rect">
+            <a:avLst/>
+          </a:prstGeom>
+        </p:spPr>
+      </p:pic>
+      <p:pic>
+        <p:nvPicPr>
+          <p:cNvPr id="22" name="Picture 21">
+            <a:extLst>
+              <a:ext uri="{FF2B5EF4-FFF2-40B4-BE49-F238E27FC236}">
+                <a16:creationId xmlns:a16="http://schemas.microsoft.com/office/drawing/2014/main" id="{B8D0C46B-00AB-0210-4085-3C64B51A565B}"/>
+              </a:ext>
+            </a:extLst>
+          </p:cNvPr>
+          <p:cNvPicPr>
+            <a:picLocks noChangeAspect="1"/>
+          </p:cNvPicPr>
+          <p:nvPr/>
+        </p:nvPicPr>
+        <p:blipFill>
+          <a:blip r:embed="rId5"/>
+          <a:stretch>
+            <a:fillRect/>
+          </a:stretch>
+        </p:blipFill>
+        <p:spPr>
+          <a:xfrm>
+            <a:off x="3857770" y="787796"/>
+            <a:ext cx="3657600" cy="1849168"/>
+          </a:xfrm>
+          <a:prstGeom prst="rect">
+            <a:avLst/>
+          </a:prstGeom>
+        </p:spPr>
+      </p:pic>
+      <p:pic>
+        <p:nvPicPr>
+          <p:cNvPr id="24" name="Picture 23">
+            <a:extLst>
+              <a:ext uri="{FF2B5EF4-FFF2-40B4-BE49-F238E27FC236}">
+                <a16:creationId xmlns:a16="http://schemas.microsoft.com/office/drawing/2014/main" id="{CA9D44ED-B032-2CDC-CA59-E4F34B6E5BCF}"/>
+              </a:ext>
+            </a:extLst>
+          </p:cNvPr>
+          <p:cNvPicPr>
+            <a:picLocks noChangeAspect="1"/>
+          </p:cNvPicPr>
+          <p:nvPr/>
+        </p:nvPicPr>
+        <p:blipFill>
+          <a:blip r:embed="rId6"/>
+          <a:stretch>
+            <a:fillRect/>
+          </a:stretch>
+        </p:blipFill>
+        <p:spPr>
+          <a:xfrm>
+            <a:off x="3825434" y="2608724"/>
+            <a:ext cx="3657600" cy="1864980"/>
+          </a:xfrm>
+          <a:prstGeom prst="rect">
+            <a:avLst/>
+          </a:prstGeom>
+        </p:spPr>
+      </p:pic>
+      <p:pic>
+        <p:nvPicPr>
+          <p:cNvPr id="26" name="Picture 25">
+            <a:extLst>
+              <a:ext uri="{FF2B5EF4-FFF2-40B4-BE49-F238E27FC236}">
+                <a16:creationId xmlns:a16="http://schemas.microsoft.com/office/drawing/2014/main" id="{961739A4-B412-8E98-4E74-AA20BF106ED9}"/>
+              </a:ext>
+            </a:extLst>
+          </p:cNvPr>
+          <p:cNvPicPr>
+            <a:picLocks noChangeAspect="1"/>
+          </p:cNvPicPr>
+          <p:nvPr/>
+        </p:nvPicPr>
+        <p:blipFill>
+          <a:blip r:embed="rId7"/>
+          <a:stretch>
+            <a:fillRect/>
+          </a:stretch>
+        </p:blipFill>
+        <p:spPr>
+          <a:xfrm>
+            <a:off x="3852581" y="4595447"/>
+            <a:ext cx="3657600" cy="1841956"/>
+          </a:xfrm>
+          <a:prstGeom prst="rect">
+            <a:avLst/>
+          </a:prstGeom>
+        </p:spPr>
+      </p:pic>
+      <p:pic>
+        <p:nvPicPr>
+          <p:cNvPr id="29" name="Picture 28">
+            <a:extLst>
+              <a:ext uri="{FF2B5EF4-FFF2-40B4-BE49-F238E27FC236}">
+                <a16:creationId xmlns:a16="http://schemas.microsoft.com/office/drawing/2014/main" id="{A25CD810-D7B8-A5EE-B5FA-EBE69EE853F8}"/>
+              </a:ext>
+            </a:extLst>
+          </p:cNvPr>
+          <p:cNvPicPr>
+            <a:picLocks noChangeAspect="1"/>
+          </p:cNvPicPr>
+          <p:nvPr/>
+        </p:nvPicPr>
+        <p:blipFill>
+          <a:blip r:embed="rId8"/>
+          <a:stretch>
+            <a:fillRect/>
+          </a:stretch>
+        </p:blipFill>
+        <p:spPr>
+          <a:xfrm>
+            <a:off x="7622263" y="816794"/>
+            <a:ext cx="3657600" cy="1820929"/>
+          </a:xfrm>
+          <a:prstGeom prst="rect">
+            <a:avLst/>
+          </a:prstGeom>
+        </p:spPr>
+      </p:pic>
+      <p:pic>
+        <p:nvPicPr>
+          <p:cNvPr id="32" name="Picture 31">
+            <a:extLst>
+              <a:ext uri="{FF2B5EF4-FFF2-40B4-BE49-F238E27FC236}">
+                <a16:creationId xmlns:a16="http://schemas.microsoft.com/office/drawing/2014/main" id="{35BF2A30-91B0-80EF-2CCF-9C77ACBD0C0C}"/>
+              </a:ext>
+            </a:extLst>
+          </p:cNvPr>
+          <p:cNvPicPr>
+            <a:picLocks noChangeAspect="1"/>
+          </p:cNvPicPr>
+          <p:nvPr/>
+        </p:nvPicPr>
+        <p:blipFill>
+          <a:blip r:embed="rId9"/>
+          <a:stretch>
+            <a:fillRect/>
+          </a:stretch>
+        </p:blipFill>
+        <p:spPr>
+          <a:xfrm>
+            <a:off x="108382" y="4595447"/>
+            <a:ext cx="3700102" cy="1828800"/>
+          </a:xfrm>
+          <a:prstGeom prst="rect">
+            <a:avLst/>
+          </a:prstGeom>
+        </p:spPr>
+      </p:pic>
+      <p:pic>
+        <p:nvPicPr>
+          <p:cNvPr id="35" name="Picture 34">
+            <a:extLst>
+              <a:ext uri="{FF2B5EF4-FFF2-40B4-BE49-F238E27FC236}">
+                <a16:creationId xmlns:a16="http://schemas.microsoft.com/office/drawing/2014/main" id="{B85C3E4B-B5B2-3550-2AC6-55FEB8F325B5}"/>
+              </a:ext>
+            </a:extLst>
+          </p:cNvPr>
+          <p:cNvPicPr>
+            <a:picLocks noChangeAspect="1"/>
+          </p:cNvPicPr>
+          <p:nvPr/>
+        </p:nvPicPr>
+        <p:blipFill>
+          <a:blip r:embed="rId10"/>
+          <a:stretch>
+            <a:fillRect/>
+          </a:stretch>
+        </p:blipFill>
+        <p:spPr>
+          <a:xfrm>
+            <a:off x="112084" y="787795"/>
+            <a:ext cx="3628415" cy="1828800"/>
+          </a:xfrm>
+          <a:prstGeom prst="rect">
+            <a:avLst/>
+          </a:prstGeom>
+        </p:spPr>
+      </p:pic>
+      <p:pic>
+        <p:nvPicPr>
+          <p:cNvPr id="36" name="Picture 35">
+            <a:extLst>
+              <a:ext uri="{FF2B5EF4-FFF2-40B4-BE49-F238E27FC236}">
+                <a16:creationId xmlns:a16="http://schemas.microsoft.com/office/drawing/2014/main" id="{9CD8AC78-465F-4042-A4BF-D8CF2B44CDD3}"/>
+              </a:ext>
+            </a:extLst>
+          </p:cNvPr>
+          <p:cNvPicPr>
+            <a:picLocks noChangeAspect="1"/>
+          </p:cNvPicPr>
+          <p:nvPr/>
+        </p:nvPicPr>
+        <p:blipFill>
+          <a:blip r:embed="rId11"/>
+          <a:stretch>
+            <a:fillRect/>
+          </a:stretch>
+        </p:blipFill>
+        <p:spPr>
+          <a:xfrm>
+            <a:off x="108722" y="2616595"/>
+            <a:ext cx="3631777" cy="1828800"/>
+          </a:xfrm>
+          <a:prstGeom prst="rect">
+            <a:avLst/>
+          </a:prstGeom>
         </p:spPr>
       </p:pic>
     </p:spTree>

--- a/Presentation-Sangho.pptx
+++ b/Presentation-Sangho.pptx
@@ -5,7 +5,7 @@
     <p:sldMasterId id="2147483648" r:id="rId1"/>
   </p:sldMasterIdLst>
   <p:notesMasterIdLst>
-    <p:notesMasterId r:id="rId9"/>
+    <p:notesMasterId r:id="rId10"/>
   </p:notesMasterIdLst>
   <p:sldIdLst>
     <p:sldId id="256" r:id="rId2"/>
@@ -15,6 +15,7 @@
     <p:sldId id="259" r:id="rId6"/>
     <p:sldId id="262" r:id="rId7"/>
     <p:sldId id="264" r:id="rId8"/>
+    <p:sldId id="265" r:id="rId9"/>
   </p:sldIdLst>
   <p:sldSz cx="12192000" cy="6858000"/>
   <p:notesSz cx="6858000" cy="9144000"/>
@@ -124,7 +125,7 @@
 <file path=ppt/revisionInfo.xml><?xml version="1.0" encoding="utf-8"?>
 <p1510:revInfo xmlns:a="http://schemas.openxmlformats.org/drawingml/2006/main" xmlns:r="http://schemas.openxmlformats.org/officeDocument/2006/relationships" xmlns:p1510="http://schemas.microsoft.com/office/powerpoint/2015/10/main">
   <p1510:revLst>
-    <p1510:client id="{C52D55F7-C491-4C93-AABD-165EB630FCE9}" v="319" dt="2025-01-08T02:20:10.664"/>
+    <p1510:client id="{C52D55F7-C491-4C93-AABD-165EB630FCE9}" v="330" dt="2025-01-08T04:23:49.961"/>
   </p1510:revLst>
 </p1510:revInfo>
 </file>
@@ -134,7 +135,7 @@
   <pc:docChgLst>
     <pc:chgData name="Lee, Stan" userId="1f2aa4fb-e40e-488c-8fd9-81a684fd3151" providerId="ADAL" clId="{C52D55F7-C491-4C93-AABD-165EB630FCE9}"/>
     <pc:docChg chg="undo redo custSel addSld delSld modSld sldOrd">
-      <pc:chgData name="Lee, Stan" userId="1f2aa4fb-e40e-488c-8fd9-81a684fd3151" providerId="ADAL" clId="{C52D55F7-C491-4C93-AABD-165EB630FCE9}" dt="2025-01-08T02:22:54.859" v="3600" actId="1076"/>
+      <pc:chgData name="Lee, Stan" userId="1f2aa4fb-e40e-488c-8fd9-81a684fd3151" providerId="ADAL" clId="{C52D55F7-C491-4C93-AABD-165EB630FCE9}" dt="2025-01-08T04:26:07.370" v="3716" actId="478"/>
       <pc:docMkLst>
         <pc:docMk/>
       </pc:docMkLst>
@@ -2114,11 +2115,19 @@
         </pc:grpChg>
       </pc:sldChg>
       <pc:sldChg chg="addSp delSp modSp add mod setBg delDesignElem">
-        <pc:chgData name="Lee, Stan" userId="1f2aa4fb-e40e-488c-8fd9-81a684fd3151" providerId="ADAL" clId="{C52D55F7-C491-4C93-AABD-165EB630FCE9}" dt="2025-01-08T02:21:21.570" v="3599" actId="1076"/>
+        <pc:chgData name="Lee, Stan" userId="1f2aa4fb-e40e-488c-8fd9-81a684fd3151" providerId="ADAL" clId="{C52D55F7-C491-4C93-AABD-165EB630FCE9}" dt="2025-01-08T02:32:37.565" v="3619" actId="18245"/>
         <pc:sldMkLst>
           <pc:docMk/>
           <pc:sldMk cId="2933993192" sldId="261"/>
         </pc:sldMkLst>
+        <pc:spChg chg="mod topLvl">
+          <ac:chgData name="Lee, Stan" userId="1f2aa4fb-e40e-488c-8fd9-81a684fd3151" providerId="ADAL" clId="{C52D55F7-C491-4C93-AABD-165EB630FCE9}" dt="2025-01-08T02:32:37.565" v="3619" actId="18245"/>
+          <ac:spMkLst>
+            <pc:docMk/>
+            <pc:sldMk cId="2933993192" sldId="261"/>
+            <ac:spMk id="4" creationId="{B6D453C4-C2E9-7863-3777-FDC381DC46EE}"/>
+          </ac:spMkLst>
+        </pc:spChg>
         <pc:spChg chg="mod">
           <ac:chgData name="Lee, Stan" userId="1f2aa4fb-e40e-488c-8fd9-81a684fd3151" providerId="ADAL" clId="{C52D55F7-C491-4C93-AABD-165EB630FCE9}" dt="2025-01-08T02:21:21.570" v="3599" actId="1076"/>
           <ac:spMkLst>
@@ -2127,6 +2136,14 @@
             <ac:spMk id="5" creationId="{49485135-B6DE-94AC-7E3B-5A53D868ABE0}"/>
           </ac:spMkLst>
         </pc:spChg>
+        <pc:spChg chg="mod topLvl">
+          <ac:chgData name="Lee, Stan" userId="1f2aa4fb-e40e-488c-8fd9-81a684fd3151" providerId="ADAL" clId="{C52D55F7-C491-4C93-AABD-165EB630FCE9}" dt="2025-01-08T02:32:37.565" v="3619" actId="18245"/>
+          <ac:spMkLst>
+            <pc:docMk/>
+            <pc:sldMk cId="2933993192" sldId="261"/>
+            <ac:spMk id="6" creationId="{E041AFEC-429D-4EDF-14F4-7C0B9BC56529}"/>
+          </ac:spMkLst>
+        </pc:spChg>
         <pc:spChg chg="mod">
           <ac:chgData name="Lee, Stan" userId="1f2aa4fb-e40e-488c-8fd9-81a684fd3151" providerId="ADAL" clId="{C52D55F7-C491-4C93-AABD-165EB630FCE9}" dt="2025-01-08T02:21:18.735" v="3597" actId="1076"/>
           <ac:spMkLst>
@@ -2135,6 +2152,22 @@
             <ac:spMk id="7" creationId="{6210B891-3253-1330-FA11-B71C7E1E560B}"/>
           </ac:spMkLst>
         </pc:spChg>
+        <pc:spChg chg="mod topLvl">
+          <ac:chgData name="Lee, Stan" userId="1f2aa4fb-e40e-488c-8fd9-81a684fd3151" providerId="ADAL" clId="{C52D55F7-C491-4C93-AABD-165EB630FCE9}" dt="2025-01-08T02:32:37.565" v="3619" actId="18245"/>
+          <ac:spMkLst>
+            <pc:docMk/>
+            <pc:sldMk cId="2933993192" sldId="261"/>
+            <ac:spMk id="8" creationId="{F5291B72-40C5-03E6-F225-C88A74ED9398}"/>
+          </ac:spMkLst>
+        </pc:spChg>
+        <pc:spChg chg="mod topLvl">
+          <ac:chgData name="Lee, Stan" userId="1f2aa4fb-e40e-488c-8fd9-81a684fd3151" providerId="ADAL" clId="{C52D55F7-C491-4C93-AABD-165EB630FCE9}" dt="2025-01-08T02:32:37.565" v="3619" actId="18245"/>
+          <ac:spMkLst>
+            <pc:docMk/>
+            <pc:sldMk cId="2933993192" sldId="261"/>
+            <ac:spMk id="9" creationId="{1B03A097-4181-1FB8-2E8D-62808DDA82A2}"/>
+          </ac:spMkLst>
+        </pc:spChg>
         <pc:spChg chg="del">
           <ac:chgData name="Lee, Stan" userId="1f2aa4fb-e40e-488c-8fd9-81a684fd3151" providerId="ADAL" clId="{C52D55F7-C491-4C93-AABD-165EB630FCE9}" dt="2025-01-06T21:05:01.216" v="809"/>
           <ac:spMkLst>
@@ -2143,6 +2176,46 @@
             <ac:spMk id="9" creationId="{833D66F0-0A1E-909C-795B-94EC2567673B}"/>
           </ac:spMkLst>
         </pc:spChg>
+        <pc:spChg chg="mod topLvl">
+          <ac:chgData name="Lee, Stan" userId="1f2aa4fb-e40e-488c-8fd9-81a684fd3151" providerId="ADAL" clId="{C52D55F7-C491-4C93-AABD-165EB630FCE9}" dt="2025-01-08T02:32:37.565" v="3619" actId="18245"/>
+          <ac:spMkLst>
+            <pc:docMk/>
+            <pc:sldMk cId="2933993192" sldId="261"/>
+            <ac:spMk id="10" creationId="{297C3106-855C-E13B-9660-5BF508ABB1B7}"/>
+          </ac:spMkLst>
+        </pc:spChg>
+        <pc:spChg chg="mod topLvl">
+          <ac:chgData name="Lee, Stan" userId="1f2aa4fb-e40e-488c-8fd9-81a684fd3151" providerId="ADAL" clId="{C52D55F7-C491-4C93-AABD-165EB630FCE9}" dt="2025-01-08T02:32:37.565" v="3619" actId="18245"/>
+          <ac:spMkLst>
+            <pc:docMk/>
+            <pc:sldMk cId="2933993192" sldId="261"/>
+            <ac:spMk id="11" creationId="{CD4A5A31-447C-45CC-6638-4E3EBA7AD557}"/>
+          </ac:spMkLst>
+        </pc:spChg>
+        <pc:spChg chg="mod topLvl">
+          <ac:chgData name="Lee, Stan" userId="1f2aa4fb-e40e-488c-8fd9-81a684fd3151" providerId="ADAL" clId="{C52D55F7-C491-4C93-AABD-165EB630FCE9}" dt="2025-01-08T02:32:37.565" v="3619" actId="18245"/>
+          <ac:spMkLst>
+            <pc:docMk/>
+            <pc:sldMk cId="2933993192" sldId="261"/>
+            <ac:spMk id="12" creationId="{B22C96A7-1197-F6B5-7D03-546783F55B57}"/>
+          </ac:spMkLst>
+        </pc:spChg>
+        <pc:spChg chg="mod topLvl">
+          <ac:chgData name="Lee, Stan" userId="1f2aa4fb-e40e-488c-8fd9-81a684fd3151" providerId="ADAL" clId="{C52D55F7-C491-4C93-AABD-165EB630FCE9}" dt="2025-01-08T02:32:37.565" v="3619" actId="18245"/>
+          <ac:spMkLst>
+            <pc:docMk/>
+            <pc:sldMk cId="2933993192" sldId="261"/>
+            <ac:spMk id="13" creationId="{1430F801-CCAC-9D2B-1463-BCDFD548E420}"/>
+          </ac:spMkLst>
+        </pc:spChg>
+        <pc:spChg chg="mod topLvl">
+          <ac:chgData name="Lee, Stan" userId="1f2aa4fb-e40e-488c-8fd9-81a684fd3151" providerId="ADAL" clId="{C52D55F7-C491-4C93-AABD-165EB630FCE9}" dt="2025-01-08T02:32:37.565" v="3619" actId="18245"/>
+          <ac:spMkLst>
+            <pc:docMk/>
+            <pc:sldMk cId="2933993192" sldId="261"/>
+            <ac:spMk id="14" creationId="{5BC0D008-0166-5BB9-0698-7A8849647155}"/>
+          </ac:spMkLst>
+        </pc:spChg>
         <pc:spChg chg="del">
           <ac:chgData name="Lee, Stan" userId="1f2aa4fb-e40e-488c-8fd9-81a684fd3151" providerId="ADAL" clId="{C52D55F7-C491-4C93-AABD-165EB630FCE9}" dt="2025-01-06T21:05:01.216" v="809"/>
           <ac:spMkLst>
@@ -2151,6 +2224,14 @@
             <ac:spMk id="15" creationId="{172818E0-80A1-F2F8-7DB6-55DF79EEC99C}"/>
           </ac:spMkLst>
         </pc:spChg>
+        <pc:spChg chg="mod topLvl">
+          <ac:chgData name="Lee, Stan" userId="1f2aa4fb-e40e-488c-8fd9-81a684fd3151" providerId="ADAL" clId="{C52D55F7-C491-4C93-AABD-165EB630FCE9}" dt="2025-01-08T02:32:33.697" v="3618" actId="165"/>
+          <ac:spMkLst>
+            <pc:docMk/>
+            <pc:sldMk cId="2933993192" sldId="261"/>
+            <ac:spMk id="15" creationId="{C0F6B7B3-3152-6331-3B9E-635ADE359501}"/>
+          </ac:spMkLst>
+        </pc:spChg>
         <pc:spChg chg="del">
           <ac:chgData name="Lee, Stan" userId="1f2aa4fb-e40e-488c-8fd9-81a684fd3151" providerId="ADAL" clId="{C52D55F7-C491-4C93-AABD-165EB630FCE9}" dt="2025-01-06T21:05:01.216" v="809"/>
           <ac:spMkLst>
@@ -2167,6 +2248,14 @@
             <ac:spMk id="64" creationId="{119C051B-6C03-35D3-78CF-C9A30945C16E}"/>
           </ac:spMkLst>
         </pc:spChg>
+        <pc:grpChg chg="add del mod">
+          <ac:chgData name="Lee, Stan" userId="1f2aa4fb-e40e-488c-8fd9-81a684fd3151" providerId="ADAL" clId="{C52D55F7-C491-4C93-AABD-165EB630FCE9}" dt="2025-01-08T02:32:37.565" v="3619" actId="18245"/>
+          <ac:grpSpMkLst>
+            <pc:docMk/>
+            <pc:sldMk cId="2933993192" sldId="261"/>
+            <ac:grpSpMk id="3" creationId="{53F53ADC-F668-ADE5-A338-E1DFA9647D00}"/>
+          </ac:grpSpMkLst>
+        </pc:grpChg>
         <pc:grpChg chg="del">
           <ac:chgData name="Lee, Stan" userId="1f2aa4fb-e40e-488c-8fd9-81a684fd3151" providerId="ADAL" clId="{C52D55F7-C491-4C93-AABD-165EB630FCE9}" dt="2025-01-06T21:05:01.216" v="809"/>
           <ac:grpSpMkLst>
@@ -2175,8 +2264,8 @@
             <ac:grpSpMk id="11" creationId="{5E1957B9-0C33-53DC-F844-BA3826C8F9E7}"/>
           </ac:grpSpMkLst>
         </pc:grpChg>
-        <pc:graphicFrameChg chg="mod modGraphic">
-          <ac:chgData name="Lee, Stan" userId="1f2aa4fb-e40e-488c-8fd9-81a684fd3151" providerId="ADAL" clId="{C52D55F7-C491-4C93-AABD-165EB630FCE9}" dt="2025-01-08T02:21:18.735" v="3597" actId="1076"/>
+        <pc:graphicFrameChg chg="add del mod modGraphic">
+          <ac:chgData name="Lee, Stan" userId="1f2aa4fb-e40e-488c-8fd9-81a684fd3151" providerId="ADAL" clId="{C52D55F7-C491-4C93-AABD-165EB630FCE9}" dt="2025-01-08T02:32:37.565" v="3619" actId="18245"/>
           <ac:graphicFrameMkLst>
             <pc:docMk/>
             <pc:sldMk cId="2933993192" sldId="261"/>
@@ -3007,7 +3096,7 @@
         </pc:cxnChg>
       </pc:sldChg>
       <pc:sldChg chg="addSp delSp modSp new mod setBg">
-        <pc:chgData name="Lee, Stan" userId="1f2aa4fb-e40e-488c-8fd9-81a684fd3151" providerId="ADAL" clId="{C52D55F7-C491-4C93-AABD-165EB630FCE9}" dt="2025-01-08T02:20:19.240" v="3580" actId="1076"/>
+        <pc:chgData name="Lee, Stan" userId="1f2aa4fb-e40e-488c-8fd9-81a684fd3151" providerId="ADAL" clId="{C52D55F7-C491-4C93-AABD-165EB630FCE9}" dt="2025-01-08T04:26:07.370" v="3716" actId="478"/>
         <pc:sldMkLst>
           <pc:docMk/>
           <pc:sldMk cId="181008394" sldId="264"/>
@@ -3020,6 +3109,14 @@
             <ac:spMk id="2" creationId="{006CA985-AF09-F965-9826-FB650048B824}"/>
           </ac:spMkLst>
         </pc:spChg>
+        <pc:spChg chg="add mod">
+          <ac:chgData name="Lee, Stan" userId="1f2aa4fb-e40e-488c-8fd9-81a684fd3151" providerId="ADAL" clId="{C52D55F7-C491-4C93-AABD-165EB630FCE9}" dt="2025-01-08T02:31:09.963" v="3611" actId="14100"/>
+          <ac:spMkLst>
+            <pc:docMk/>
+            <pc:sldMk cId="181008394" sldId="264"/>
+            <ac:spMk id="2" creationId="{39C324F1-E5A4-1185-91BA-2014DDA04B52}"/>
+          </ac:spMkLst>
+        </pc:spChg>
         <pc:spChg chg="del">
           <ac:chgData name="Lee, Stan" userId="1f2aa4fb-e40e-488c-8fd9-81a684fd3151" providerId="ADAL" clId="{C52D55F7-C491-4C93-AABD-165EB630FCE9}" dt="2025-01-07T03:40:05.021" v="2966" actId="478"/>
           <ac:spMkLst>
@@ -3028,6 +3125,22 @@
             <ac:spMk id="3" creationId="{0640F099-72C6-5A69-6B6D-6F3CE938FAE3}"/>
           </ac:spMkLst>
         </pc:spChg>
+        <pc:spChg chg="add mod">
+          <ac:chgData name="Lee, Stan" userId="1f2aa4fb-e40e-488c-8fd9-81a684fd3151" providerId="ADAL" clId="{C52D55F7-C491-4C93-AABD-165EB630FCE9}" dt="2025-01-08T02:31:17.457" v="3612" actId="14100"/>
+          <ac:spMkLst>
+            <pc:docMk/>
+            <pc:sldMk cId="181008394" sldId="264"/>
+            <ac:spMk id="4" creationId="{BCE593C9-8057-9E60-5C51-1BE66D784357}"/>
+          </ac:spMkLst>
+        </pc:spChg>
+        <pc:spChg chg="add mod">
+          <ac:chgData name="Lee, Stan" userId="1f2aa4fb-e40e-488c-8fd9-81a684fd3151" providerId="ADAL" clId="{C52D55F7-C491-4C93-AABD-165EB630FCE9}" dt="2025-01-08T04:25:54.967" v="3715" actId="113"/>
+          <ac:spMkLst>
+            <pc:docMk/>
+            <pc:sldMk cId="181008394" sldId="264"/>
+            <ac:spMk id="5" creationId="{3F6B109C-9DDB-39FB-BCC4-E22B9CA00D9E}"/>
+          </ac:spMkLst>
+        </pc:spChg>
         <pc:spChg chg="add mod ord">
           <ac:chgData name="Lee, Stan" userId="1f2aa4fb-e40e-488c-8fd9-81a684fd3151" providerId="ADAL" clId="{C52D55F7-C491-4C93-AABD-165EB630FCE9}" dt="2025-01-08T01:57:53.452" v="3456" actId="1076"/>
           <ac:spMkLst>
@@ -3036,6 +3149,14 @@
             <ac:spMk id="6" creationId="{D63FD8E9-F784-A003-7AC8-DC10A215E917}"/>
           </ac:spMkLst>
         </pc:spChg>
+        <pc:spChg chg="add del mod">
+          <ac:chgData name="Lee, Stan" userId="1f2aa4fb-e40e-488c-8fd9-81a684fd3151" providerId="ADAL" clId="{C52D55F7-C491-4C93-AABD-165EB630FCE9}" dt="2025-01-08T04:26:07.370" v="3716" actId="478"/>
+          <ac:spMkLst>
+            <pc:docMk/>
+            <pc:sldMk cId="181008394" sldId="264"/>
+            <ac:spMk id="7" creationId="{BA02C890-9D0F-430A-9B7C-F860A256598B}"/>
+          </ac:spMkLst>
+        </pc:spChg>
         <pc:spChg chg="add">
           <ac:chgData name="Lee, Stan" userId="1f2aa4fb-e40e-488c-8fd9-81a684fd3151" providerId="ADAL" clId="{C52D55F7-C491-4C93-AABD-165EB630FCE9}" dt="2025-01-07T03:41:26.211" v="2999" actId="26606"/>
           <ac:spMkLst>
@@ -3133,7 +3254,7 @@
           </ac:spMkLst>
         </pc:spChg>
         <pc:picChg chg="add mod">
-          <ac:chgData name="Lee, Stan" userId="1f2aa4fb-e40e-488c-8fd9-81a684fd3151" providerId="ADAL" clId="{C52D55F7-C491-4C93-AABD-165EB630FCE9}" dt="2025-01-08T02:20:19.240" v="3580" actId="1076"/>
+          <ac:chgData name="Lee, Stan" userId="1f2aa4fb-e40e-488c-8fd9-81a684fd3151" providerId="ADAL" clId="{C52D55F7-C491-4C93-AABD-165EB630FCE9}" dt="2025-01-08T02:34:24.618" v="3620" actId="1076"/>
           <ac:picMkLst>
             <pc:docMk/>
             <pc:sldMk cId="181008394" sldId="264"/>
@@ -3506,6 +3627,37 @@
             <ac:cxnSpMk id="59" creationId="{FA92245C-961F-47D5-9691-272D28692D45}"/>
           </ac:cxnSpMkLst>
         </pc:cxnChg>
+      </pc:sldChg>
+      <pc:sldChg chg="addSp delSp modSp new mod">
+        <pc:chgData name="Lee, Stan" userId="1f2aa4fb-e40e-488c-8fd9-81a684fd3151" providerId="ADAL" clId="{C52D55F7-C491-4C93-AABD-165EB630FCE9}" dt="2025-01-08T02:35:55.119" v="3624"/>
+        <pc:sldMkLst>
+          <pc:docMk/>
+          <pc:sldMk cId="2094644692" sldId="265"/>
+        </pc:sldMkLst>
+        <pc:spChg chg="del">
+          <ac:chgData name="Lee, Stan" userId="1f2aa4fb-e40e-488c-8fd9-81a684fd3151" providerId="ADAL" clId="{C52D55F7-C491-4C93-AABD-165EB630FCE9}" dt="2025-01-08T02:35:52.667" v="3623" actId="478"/>
+          <ac:spMkLst>
+            <pc:docMk/>
+            <pc:sldMk cId="2094644692" sldId="265"/>
+            <ac:spMk id="2" creationId="{09704CF3-D75C-8DCD-0804-A609BC84AA77}"/>
+          </ac:spMkLst>
+        </pc:spChg>
+        <pc:spChg chg="del">
+          <ac:chgData name="Lee, Stan" userId="1f2aa4fb-e40e-488c-8fd9-81a684fd3151" providerId="ADAL" clId="{C52D55F7-C491-4C93-AABD-165EB630FCE9}" dt="2025-01-08T02:35:51.644" v="3622" actId="478"/>
+          <ac:spMkLst>
+            <pc:docMk/>
+            <pc:sldMk cId="2094644692" sldId="265"/>
+            <ac:spMk id="3" creationId="{79247E2A-1D80-A726-5B7B-6E551B0A0867}"/>
+          </ac:spMkLst>
+        </pc:spChg>
+        <pc:picChg chg="add mod">
+          <ac:chgData name="Lee, Stan" userId="1f2aa4fb-e40e-488c-8fd9-81a684fd3151" providerId="ADAL" clId="{C52D55F7-C491-4C93-AABD-165EB630FCE9}" dt="2025-01-08T02:35:55.119" v="3624"/>
+          <ac:picMkLst>
+            <pc:docMk/>
+            <pc:sldMk cId="2094644692" sldId="265"/>
+            <ac:picMk id="4" creationId="{478D02D0-9AB3-3AFE-B68A-282BE908E245}"/>
+          </ac:picMkLst>
+        </pc:picChg>
       </pc:sldChg>
     </pc:docChg>
   </pc:docChgLst>
@@ -4329,7 +4481,7 @@
             </a:lnSpc>
           </a:pPr>
           <a:r>
-            <a:rPr lang="en-US" sz="1400"/>
+            <a:rPr lang="en-US" sz="1400" dirty="0"/>
             <a:t>Visualize Kona’s sales, inventory, and regional trends.</a:t>
           </a:r>
         </a:p>
@@ -4991,7 +5143,7 @@
             <a:buNone/>
           </a:pPr>
           <a:r>
-            <a:rPr lang="en-US" sz="1400" kern="1200"/>
+            <a:rPr lang="en-US" sz="1400" kern="1200" dirty="0"/>
             <a:t>Visualize Kona’s sales, inventory, and regional trends.</a:t>
           </a:r>
         </a:p>
@@ -16472,7 +16624,7 @@
         </p:blipFill>
         <p:spPr>
           <a:xfrm>
-            <a:off x="8008714" y="4543865"/>
+            <a:off x="8008714" y="4719847"/>
             <a:ext cx="4095451" cy="2013753"/>
           </a:xfrm>
           <a:prstGeom prst="rect">
@@ -16720,10 +16872,242 @@
           </a:prstGeom>
         </p:spPr>
       </p:pic>
+      <p:sp>
+        <p:nvSpPr>
+          <p:cNvPr id="2" name="Rectangle 1">
+            <a:extLst>
+              <a:ext uri="{FF2B5EF4-FFF2-40B4-BE49-F238E27FC236}">
+                <a16:creationId xmlns:a16="http://schemas.microsoft.com/office/drawing/2014/main" id="{39C324F1-E5A4-1185-91BA-2014DDA04B52}"/>
+              </a:ext>
+            </a:extLst>
+          </p:cNvPr>
+          <p:cNvSpPr/>
+          <p:nvPr/>
+        </p:nvSpPr>
+        <p:spPr>
+          <a:xfrm>
+            <a:off x="7717461" y="2698699"/>
+            <a:ext cx="4474539" cy="45719"/>
+          </a:xfrm>
+          <a:prstGeom prst="rect">
+            <a:avLst/>
+          </a:prstGeom>
+          <a:solidFill>
+            <a:schemeClr val="bg2">
+              <a:lumMod val="75000"/>
+            </a:schemeClr>
+          </a:solidFill>
+          <a:ln>
+            <a:solidFill>
+              <a:schemeClr val="bg2">
+                <a:lumMod val="75000"/>
+              </a:schemeClr>
+            </a:solidFill>
+          </a:ln>
+        </p:spPr>
+        <p:style>
+          <a:lnRef idx="2">
+            <a:schemeClr val="accent1">
+              <a:shade val="15000"/>
+            </a:schemeClr>
+          </a:lnRef>
+          <a:fillRef idx="1">
+            <a:schemeClr val="accent1"/>
+          </a:fillRef>
+          <a:effectRef idx="0">
+            <a:schemeClr val="accent1"/>
+          </a:effectRef>
+          <a:fontRef idx="minor">
+            <a:schemeClr val="lt1"/>
+          </a:fontRef>
+        </p:style>
+        <p:txBody>
+          <a:bodyPr rtlCol="0" anchor="ctr"/>
+          <a:lstStyle/>
+          <a:p>
+            <a:pPr algn="ctr"/>
+            <a:endParaRPr lang="en-US"/>
+          </a:p>
+        </p:txBody>
+      </p:sp>
+      <p:sp>
+        <p:nvSpPr>
+          <p:cNvPr id="4" name="Rectangle 3">
+            <a:extLst>
+              <a:ext uri="{FF2B5EF4-FFF2-40B4-BE49-F238E27FC236}">
+                <a16:creationId xmlns:a16="http://schemas.microsoft.com/office/drawing/2014/main" id="{BCE593C9-8057-9E60-5C51-1BE66D784357}"/>
+              </a:ext>
+            </a:extLst>
+          </p:cNvPr>
+          <p:cNvSpPr/>
+          <p:nvPr/>
+        </p:nvSpPr>
+        <p:spPr>
+          <a:xfrm rot="5400000">
+            <a:off x="5609889" y="4749445"/>
+            <a:ext cx="4158315" cy="56823"/>
+          </a:xfrm>
+          <a:prstGeom prst="rect">
+            <a:avLst/>
+          </a:prstGeom>
+          <a:solidFill>
+            <a:schemeClr val="bg2">
+              <a:lumMod val="75000"/>
+            </a:schemeClr>
+          </a:solidFill>
+          <a:ln>
+            <a:solidFill>
+              <a:schemeClr val="bg2">
+                <a:lumMod val="75000"/>
+              </a:schemeClr>
+            </a:solidFill>
+          </a:ln>
+        </p:spPr>
+        <p:style>
+          <a:lnRef idx="2">
+            <a:schemeClr val="accent1">
+              <a:shade val="15000"/>
+            </a:schemeClr>
+          </a:lnRef>
+          <a:fillRef idx="1">
+            <a:schemeClr val="accent1"/>
+          </a:fillRef>
+          <a:effectRef idx="0">
+            <a:schemeClr val="accent1"/>
+          </a:effectRef>
+          <a:fontRef idx="minor">
+            <a:schemeClr val="lt1"/>
+          </a:fontRef>
+        </p:style>
+        <p:txBody>
+          <a:bodyPr rtlCol="0" anchor="ctr"/>
+          <a:lstStyle/>
+          <a:p>
+            <a:pPr algn="ctr"/>
+            <a:endParaRPr lang="en-US"/>
+          </a:p>
+        </p:txBody>
+      </p:sp>
+      <p:sp>
+        <p:nvSpPr>
+          <p:cNvPr id="5" name="TextBox 4">
+            <a:extLst>
+              <a:ext uri="{FF2B5EF4-FFF2-40B4-BE49-F238E27FC236}">
+                <a16:creationId xmlns:a16="http://schemas.microsoft.com/office/drawing/2014/main" id="{3F6B109C-9DDB-39FB-BCC4-E22B9CA00D9E}"/>
+              </a:ext>
+            </a:extLst>
+          </p:cNvPr>
+          <p:cNvSpPr txBox="1"/>
+          <p:nvPr/>
+        </p:nvSpPr>
+        <p:spPr>
+          <a:xfrm>
+            <a:off x="159347" y="6523361"/>
+            <a:ext cx="9897092" cy="246221"/>
+          </a:xfrm>
+          <a:prstGeom prst="rect">
+            <a:avLst/>
+          </a:prstGeom>
+          <a:noFill/>
+        </p:spPr>
+        <p:txBody>
+          <a:bodyPr wrap="square">
+            <a:spAutoFit/>
+          </a:bodyPr>
+          <a:lstStyle/>
+          <a:p>
+            <a:r>
+              <a:rPr lang="en-US" sz="1000" b="1" dirty="0"/>
+              <a:t>** Domain knowledge and input from multiple SMEs must be applied to make the final decision.**</a:t>
+            </a:r>
+          </a:p>
+        </p:txBody>
+      </p:sp>
     </p:spTree>
     <p:extLst>
       <p:ext uri="{BB962C8B-B14F-4D97-AF65-F5344CB8AC3E}">
         <p14:creationId xmlns:p14="http://schemas.microsoft.com/office/powerpoint/2010/main" val="181008394"/>
+      </p:ext>
+    </p:extLst>
+  </p:cSld>
+  <p:clrMapOvr>
+    <a:masterClrMapping/>
+  </p:clrMapOvr>
+</p:sld>
+</file>
+
+<file path=ppt/slides/slide8.xml><?xml version="1.0" encoding="utf-8"?>
+<p:sld xmlns:a="http://schemas.openxmlformats.org/drawingml/2006/main" xmlns:r="http://schemas.openxmlformats.org/officeDocument/2006/relationships" xmlns:p="http://schemas.openxmlformats.org/presentationml/2006/main">
+  <p:cSld>
+    <p:spTree>
+      <p:nvGrpSpPr>
+        <p:cNvPr id="1" name=""/>
+        <p:cNvGrpSpPr/>
+        <p:nvPr/>
+      </p:nvGrpSpPr>
+      <p:grpSpPr>
+        <a:xfrm>
+          <a:off x="0" y="0"/>
+          <a:ext cx="0" cy="0"/>
+          <a:chOff x="0" y="0"/>
+          <a:chExt cx="0" cy="0"/>
+        </a:xfrm>
+      </p:grpSpPr>
+      <p:pic>
+        <p:nvPicPr>
+          <p:cNvPr id="4" name="Picture 3">
+            <a:extLst>
+              <a:ext uri="{FF2B5EF4-FFF2-40B4-BE49-F238E27FC236}">
+                <a16:creationId xmlns:a16="http://schemas.microsoft.com/office/drawing/2014/main" id="{478D02D0-9AB3-3AFE-B68A-282BE908E245}"/>
+              </a:ext>
+            </a:extLst>
+          </p:cNvPr>
+          <p:cNvPicPr>
+            <a:picLocks noChangeAspect="1"/>
+          </p:cNvPicPr>
+          <p:nvPr/>
+        </p:nvPicPr>
+        <p:blipFill>
+          <a:blip r:embed="rId2"/>
+          <a:stretch>
+            <a:fillRect/>
+          </a:stretch>
+        </p:blipFill>
+        <p:spPr>
+          <a:xfrm>
+            <a:off x="9729838" y="96619"/>
+            <a:ext cx="2261965" cy="571146"/>
+          </a:xfrm>
+          <a:custGeom>
+            <a:avLst/>
+            <a:gdLst/>
+            <a:ahLst/>
+            <a:cxnLst/>
+            <a:rect l="l" t="t" r="r" b="b"/>
+            <a:pathLst>
+              <a:path w="4141760" h="4377846">
+                <a:moveTo>
+                  <a:pt x="0" y="0"/>
+                </a:moveTo>
+                <a:lnTo>
+                  <a:pt x="4141760" y="0"/>
+                </a:lnTo>
+                <a:lnTo>
+                  <a:pt x="4141760" y="4377846"/>
+                </a:lnTo>
+                <a:lnTo>
+                  <a:pt x="0" y="4377846"/>
+                </a:lnTo>
+                <a:close/>
+              </a:path>
+            </a:pathLst>
+          </a:custGeom>
+        </p:spPr>
+      </p:pic>
+    </p:spTree>
+    <p:extLst>
+      <p:ext uri="{BB962C8B-B14F-4D97-AF65-F5344CB8AC3E}">
+        <p14:creationId xmlns:p14="http://schemas.microsoft.com/office/powerpoint/2010/main" val="2094644692"/>
       </p:ext>
     </p:extLst>
   </p:cSld>

--- a/Presentation-Sangho.pptx
+++ b/Presentation-Sangho.pptx
@@ -4920,10 +4920,10 @@
   <dgm:cxnLst>
     <dgm:cxn modelId="{6DA14B26-B15E-4CDB-8B20-60A52F2DCF2B}" srcId="{F8A7DBA3-6A1A-43FF-A85F-751268482A7B}" destId="{27DC9649-ED86-4F92-AB45-010DD52E8C94}" srcOrd="0" destOrd="0" parTransId="{A32D49B2-2738-4901-87FA-CF2BFF4B169E}" sibTransId="{6316CCAB-D52D-4301-A035-C5440E58110D}"/>
     <dgm:cxn modelId="{68D9FE27-B4EB-4DD8-B030-C995AD934303}" srcId="{12423453-6AB5-45AE-9502-0A6A1CA16CC2}" destId="{90A20DEE-5E1D-4E66-B5DE-D26201223C65}" srcOrd="0" destOrd="0" parTransId="{1FF299C5-BD0F-405D-83B6-4181E98225BC}" sibTransId="{3A82FF3E-4E49-41AC-869F-4D59FB43B6EB}"/>
+    <dgm:cxn modelId="{34C69254-10FB-4D26-90D9-FF9E59EB91E9}" srcId="{90A20DEE-5E1D-4E66-B5DE-D26201223C65}" destId="{9A41543F-431D-4DFB-AC40-A6A7875A0406}" srcOrd="1" destOrd="0" parTransId="{36AF1540-4206-4DCB-BB46-508430DEA7CA}" sibTransId="{43C67996-62AD-458D-8309-5D956A297978}"/>
     <dgm:cxn modelId="{52F59464-6908-4A70-AC67-E63F50C1EF2E}" type="presOf" srcId="{F8A7DBA3-6A1A-43FF-A85F-751268482A7B}" destId="{6C671191-3222-4D4F-84ED-E4D9561D640E}" srcOrd="0" destOrd="0" presId="urn:microsoft.com/office/officeart/2018/5/layout/CenteredIconLabelDescriptionList"/>
     <dgm:cxn modelId="{7F8B766F-7865-4340-95A6-0AD3A4750B9E}" srcId="{A3FCE4A9-E2EE-4BC7-BEEE-475AD58214DD}" destId="{AB9A08E0-62BF-4CF5-9B14-FD6A0741C9C4}" srcOrd="1" destOrd="0" parTransId="{4D818D23-C265-497D-9E85-2955D43E1AA4}" sibTransId="{BCD48907-45A2-4EF7-B9B0-75C85F888B52}"/>
     <dgm:cxn modelId="{DD031573-B2CA-435C-B448-9E2F14C067BD}" type="presOf" srcId="{90A20DEE-5E1D-4E66-B5DE-D26201223C65}" destId="{7942D404-1D28-4678-BF7C-97382837CCEF}" srcOrd="0" destOrd="0" presId="urn:microsoft.com/office/officeart/2018/5/layout/CenteredIconLabelDescriptionList"/>
-    <dgm:cxn modelId="{34C69254-10FB-4D26-90D9-FF9E59EB91E9}" srcId="{90A20DEE-5E1D-4E66-B5DE-D26201223C65}" destId="{9A41543F-431D-4DFB-AC40-A6A7875A0406}" srcOrd="1" destOrd="0" parTransId="{36AF1540-4206-4DCB-BB46-508430DEA7CA}" sibTransId="{43C67996-62AD-458D-8309-5D956A297978}"/>
     <dgm:cxn modelId="{FE00158A-E6AD-48F5-9760-DEFCCCD90441}" srcId="{12423453-6AB5-45AE-9502-0A6A1CA16CC2}" destId="{A3FCE4A9-E2EE-4BC7-BEEE-475AD58214DD}" srcOrd="2" destOrd="0" parTransId="{87EBF393-9708-45A0-A23C-C8B705673858}" sibTransId="{A7119FC5-A69F-4700-9225-1146A9F29C1B}"/>
     <dgm:cxn modelId="{A7ABB88F-6921-4754-9618-5AE11C5359E8}" type="presOf" srcId="{FBB69477-2C13-4E03-9468-F375B363B294}" destId="{2EB0951A-9731-422A-AE6E-5A153CE8791C}" srcOrd="0" destOrd="0" presId="urn:microsoft.com/office/officeart/2018/5/layout/CenteredIconLabelDescriptionList"/>
     <dgm:cxn modelId="{6C0F6197-F183-4A44-9F39-C4FD603AE7B5}" type="presOf" srcId="{9A41543F-431D-4DFB-AC40-A6A7875A0406}" destId="{87EE84B3-8CA1-4208-BBD3-F39C06A2FE57}" srcOrd="0" destOrd="1" presId="urn:microsoft.com/office/officeart/2018/5/layout/CenteredIconLabelDescriptionList"/>
@@ -6951,7 +6951,7 @@
           <a:p>
             <a:fld id="{04CFEBEB-FFF7-44E7-BE24-D36C53C892B8}" type="datetimeFigureOut">
               <a:rPr lang="en-US" smtClean="0"/>
-              <a:t>1/7/2025</a:t>
+              <a:t>1/7/25</a:t>
             </a:fld>
             <a:endParaRPr lang="en-US"/>
           </a:p>
@@ -7365,7 +7365,7 @@
           <a:p>
             <a:fld id="{53D22F81-C000-4736-AA01-2999F62FAA95}" type="datetimeFigureOut">
               <a:rPr lang="en-US" smtClean="0"/>
-              <a:t>1/7/2025</a:t>
+              <a:t>1/7/25</a:t>
             </a:fld>
             <a:endParaRPr lang="en-US"/>
           </a:p>
@@ -7563,7 +7563,7 @@
           <a:p>
             <a:fld id="{53D22F81-C000-4736-AA01-2999F62FAA95}" type="datetimeFigureOut">
               <a:rPr lang="en-US" smtClean="0"/>
-              <a:t>1/7/2025</a:t>
+              <a:t>1/7/25</a:t>
             </a:fld>
             <a:endParaRPr lang="en-US"/>
           </a:p>
@@ -7771,7 +7771,7 @@
           <a:p>
             <a:fld id="{53D22F81-C000-4736-AA01-2999F62FAA95}" type="datetimeFigureOut">
               <a:rPr lang="en-US" smtClean="0"/>
-              <a:t>1/7/2025</a:t>
+              <a:t>1/7/25</a:t>
             </a:fld>
             <a:endParaRPr lang="en-US"/>
           </a:p>
@@ -7969,7 +7969,7 @@
           <a:p>
             <a:fld id="{53D22F81-C000-4736-AA01-2999F62FAA95}" type="datetimeFigureOut">
               <a:rPr lang="en-US" smtClean="0"/>
-              <a:t>1/7/2025</a:t>
+              <a:t>1/7/25</a:t>
             </a:fld>
             <a:endParaRPr lang="en-US"/>
           </a:p>
@@ -8244,7 +8244,7 @@
           <a:p>
             <a:fld id="{53D22F81-C000-4736-AA01-2999F62FAA95}" type="datetimeFigureOut">
               <a:rPr lang="en-US" smtClean="0"/>
-              <a:t>1/7/2025</a:t>
+              <a:t>1/7/25</a:t>
             </a:fld>
             <a:endParaRPr lang="en-US"/>
           </a:p>
@@ -8509,7 +8509,7 @@
           <a:p>
             <a:fld id="{53D22F81-C000-4736-AA01-2999F62FAA95}" type="datetimeFigureOut">
               <a:rPr lang="en-US" smtClean="0"/>
-              <a:t>1/7/2025</a:t>
+              <a:t>1/7/25</a:t>
             </a:fld>
             <a:endParaRPr lang="en-US"/>
           </a:p>
@@ -8921,7 +8921,7 @@
           <a:p>
             <a:fld id="{53D22F81-C000-4736-AA01-2999F62FAA95}" type="datetimeFigureOut">
               <a:rPr lang="en-US" smtClean="0"/>
-              <a:t>1/7/2025</a:t>
+              <a:t>1/7/25</a:t>
             </a:fld>
             <a:endParaRPr lang="en-US"/>
           </a:p>
@@ -9062,7 +9062,7 @@
           <a:p>
             <a:fld id="{53D22F81-C000-4736-AA01-2999F62FAA95}" type="datetimeFigureOut">
               <a:rPr lang="en-US" smtClean="0"/>
-              <a:t>1/7/2025</a:t>
+              <a:t>1/7/25</a:t>
             </a:fld>
             <a:endParaRPr lang="en-US"/>
           </a:p>
@@ -9175,7 +9175,7 @@
           <a:p>
             <a:fld id="{53D22F81-C000-4736-AA01-2999F62FAA95}" type="datetimeFigureOut">
               <a:rPr lang="en-US" smtClean="0"/>
-              <a:t>1/7/2025</a:t>
+              <a:t>1/7/25</a:t>
             </a:fld>
             <a:endParaRPr lang="en-US"/>
           </a:p>
@@ -9486,7 +9486,7 @@
           <a:p>
             <a:fld id="{53D22F81-C000-4736-AA01-2999F62FAA95}" type="datetimeFigureOut">
               <a:rPr lang="en-US" smtClean="0"/>
-              <a:t>1/7/2025</a:t>
+              <a:t>1/7/25</a:t>
             </a:fld>
             <a:endParaRPr lang="en-US"/>
           </a:p>
@@ -9774,7 +9774,7 @@
           <a:p>
             <a:fld id="{53D22F81-C000-4736-AA01-2999F62FAA95}" type="datetimeFigureOut">
               <a:rPr lang="en-US" smtClean="0"/>
-              <a:t>1/7/2025</a:t>
+              <a:t>1/7/25</a:t>
             </a:fld>
             <a:endParaRPr lang="en-US"/>
           </a:p>
@@ -10015,7 +10015,7 @@
           <a:p>
             <a:fld id="{53D22F81-C000-4736-AA01-2999F62FAA95}" type="datetimeFigureOut">
               <a:rPr lang="en-US" smtClean="0"/>
-              <a:t>1/7/2025</a:t>
+              <a:t>1/7/25</a:t>
             </a:fld>
             <a:endParaRPr lang="en-US"/>
           </a:p>
@@ -15539,6 +15539,12 @@
               <a:avLst/>
             </a:prstGeom>
             <a:noFill/>
+            <a:ln w="12700">
+              <a:solidFill>
+                <a:schemeClr val="tx1"/>
+              </a:solidFill>
+              <a:prstDash val="dashDot"/>
+            </a:ln>
           </p:spPr>
           <p:txBody>
             <a:bodyPr wrap="square">
@@ -15606,6 +15612,12 @@
             <a:prstGeom prst="rect">
               <a:avLst/>
             </a:prstGeom>
+            <a:ln w="12700">
+              <a:solidFill>
+                <a:schemeClr val="tx1"/>
+              </a:solidFill>
+              <a:prstDash val="dashDot"/>
+            </a:ln>
           </p:spPr>
         </p:pic>
       </p:grpSp>
@@ -15630,6 +15642,12 @@
             <a:avLst/>
           </a:prstGeom>
           <a:noFill/>
+          <a:ln w="12700">
+            <a:solidFill>
+              <a:schemeClr val="tx1"/>
+            </a:solidFill>
+            <a:prstDash val="dashDot"/>
+          </a:ln>
         </p:spPr>
         <p:txBody>
           <a:bodyPr wrap="square">
@@ -15686,110 +15704,97 @@
         </p:nvSpPr>
         <p:spPr>
           <a:xfrm>
-            <a:off x="559975" y="4038352"/>
-            <a:ext cx="7298433" cy="2893100"/>
+            <a:off x="559977" y="4097743"/>
+            <a:ext cx="6035556" cy="2677656"/>
           </a:xfrm>
           <a:prstGeom prst="rect">
             <a:avLst/>
           </a:prstGeom>
           <a:noFill/>
+          <a:ln w="12700">
+            <a:solidFill>
+              <a:schemeClr val="tx1"/>
+            </a:solidFill>
+            <a:prstDash val="dashDot"/>
+          </a:ln>
         </p:spPr>
         <p:txBody>
           <a:bodyPr wrap="square">
             <a:spAutoFit/>
           </a:bodyPr>
-          <a:lstStyle/>
+          <a:lstStyle>
+            <a:defPPr>
+              <a:defRPr lang="en-US"/>
+            </a:defPPr>
+            <a:lvl1pPr>
+              <a:defRPr sz="1400" b="1"/>
+            </a:lvl1pPr>
+          </a:lstStyle>
           <a:p>
             <a:r>
-              <a:rPr lang="en-US" sz="1400" b="1" dirty="0"/>
+              <a:rPr lang="en-US" dirty="0"/>
               <a:t>3. Optimization Process</a:t>
             </a:r>
           </a:p>
           <a:p>
-            <a:pPr marL="285750" indent="-285750">
-              <a:buFont typeface="Arial" panose="020B0604020202020204" pitchFamily="34" charset="0"/>
-              <a:buChar char="•"/>
-            </a:pPr>
             <a:r>
-              <a:rPr lang="en-US" sz="1400" dirty="0"/>
+              <a:rPr lang="en-US" b="0" dirty="0"/>
               <a:t>New Trim-Level Scoring System:</a:t>
             </a:r>
           </a:p>
           <a:p>
             <a:r>
-              <a:rPr lang="en-US" sz="1400" dirty="0"/>
+              <a:rPr lang="en-US" b="0" dirty="0"/>
               <a:t>	- Lower MOS trims are prioritized with higher weights.</a:t>
             </a:r>
           </a:p>
           <a:p>
             <a:r>
-              <a:rPr lang="en-US" sz="1400" dirty="0"/>
+              <a:rPr lang="en-US" b="0" dirty="0"/>
               <a:t>	- Allocations guided by region-trim MOS and stock availability.</a:t>
             </a:r>
           </a:p>
           <a:p>
-            <a:pPr marL="285750" indent="-285750">
-              <a:buFont typeface="Arial" panose="020B0604020202020204" pitchFamily="34" charset="0"/>
-              <a:buChar char="•"/>
-            </a:pPr>
             <a:r>
-              <a:rPr lang="en-US" sz="1400" dirty="0"/>
+              <a:rPr lang="en-US" b="0" dirty="0"/>
               <a:t>Process Steps:</a:t>
             </a:r>
           </a:p>
           <a:p>
             <a:r>
-              <a:rPr lang="en-US" sz="1400" dirty="0"/>
-              <a:t>	- Iteratively adjust </a:t>
-            </a:r>
-            <a:r>
-              <a:rPr lang="en-US" sz="1400" b="1" dirty="0"/>
-              <a:t>Unbuilt Units</a:t>
-            </a:r>
-            <a:r>
-              <a:rPr lang="en-US" sz="1400" dirty="0"/>
-              <a:t> for each region and trim.</a:t>
+              <a:rPr lang="en-US" b="0" dirty="0"/>
+              <a:t>	- Iteratively adjust Unbuilt Units for each region and trim.</a:t>
             </a:r>
           </a:p>
           <a:p>
             <a:r>
-              <a:rPr lang="en-US" sz="1400" dirty="0"/>
+              <a:rPr lang="en-US" b="0" dirty="0"/>
               <a:t>	- Evaluate the weighted impact of MOS after every allocation</a:t>
             </a:r>
           </a:p>
           <a:p>
-            <a:pPr marL="285750" indent="-285750">
-              <a:buFont typeface="Arial" panose="020B0604020202020204" pitchFamily="34" charset="0"/>
-              <a:buChar char="•"/>
-            </a:pPr>
             <a:r>
-              <a:rPr lang="en-US" sz="1400" dirty="0"/>
+              <a:rPr lang="en-US" b="0" dirty="0"/>
               <a:t>Constraints Applied</a:t>
             </a:r>
           </a:p>
           <a:p>
             <a:r>
-              <a:rPr lang="en-US" sz="1400" dirty="0"/>
+              <a:rPr lang="en-US" b="0" dirty="0"/>
               <a:t>	- Total allocation matches the planned unbuilt units</a:t>
             </a:r>
           </a:p>
           <a:p>
             <a:r>
-              <a:rPr lang="en-US" sz="1400" dirty="0"/>
+              <a:rPr lang="en-US" b="0" dirty="0"/>
               <a:t>	- Regional constraints ensure each region receives the planned total allocation</a:t>
             </a:r>
           </a:p>
           <a:p>
             <a:r>
-              <a:rPr lang="en-US" sz="1400" dirty="0"/>
+              <a:rPr lang="en-US" b="0" dirty="0"/>
               <a:t>	- No negative values in allocation</a:t>
             </a:r>
-          </a:p>
-          <a:p>
-            <a:endParaRPr lang="en-US" sz="1400" dirty="0"/>
-          </a:p>
-          <a:p>
-            <a:endParaRPr lang="en-US" sz="1400" dirty="0"/>
           </a:p>
         </p:txBody>
       </p:sp>
@@ -15807,13 +15812,19 @@
         </p:nvSpPr>
         <p:spPr>
           <a:xfrm>
-            <a:off x="5414689" y="710313"/>
-            <a:ext cx="6777311" cy="2246769"/>
+            <a:off x="5414690" y="632306"/>
+            <a:ext cx="6577114" cy="2246769"/>
           </a:xfrm>
           <a:prstGeom prst="rect">
             <a:avLst/>
           </a:prstGeom>
           <a:noFill/>
+          <a:ln w="12700">
+            <a:solidFill>
+              <a:schemeClr val="tx1"/>
+            </a:solidFill>
+            <a:prstDash val="dashDot"/>
+          </a:ln>
         </p:spPr>
         <p:txBody>
           <a:bodyPr wrap="square">
@@ -15896,13 +15907,19 @@
         </p:nvSpPr>
         <p:spPr>
           <a:xfrm>
-            <a:off x="5414689" y="3219722"/>
-            <a:ext cx="6777311" cy="738664"/>
+            <a:off x="5414690" y="3024819"/>
+            <a:ext cx="6577114" cy="954107"/>
           </a:xfrm>
           <a:prstGeom prst="rect">
             <a:avLst/>
           </a:prstGeom>
           <a:noFill/>
+          <a:ln w="12700">
+            <a:solidFill>
+              <a:schemeClr val="tx1"/>
+            </a:solidFill>
+            <a:prstDash val="dashDot"/>
+          </a:ln>
         </p:spPr>
         <p:txBody>
           <a:bodyPr wrap="square">
@@ -16630,6 +16647,12 @@
           <a:prstGeom prst="rect">
             <a:avLst/>
           </a:prstGeom>
+          <a:ln>
+            <a:solidFill>
+              <a:schemeClr val="tx1"/>
+            </a:solidFill>
+            <a:prstDash val="dash"/>
+          </a:ln>
         </p:spPr>
       </p:pic>
       <p:pic>
@@ -16660,6 +16683,12 @@
           <a:prstGeom prst="rect">
             <a:avLst/>
           </a:prstGeom>
+          <a:ln>
+            <a:solidFill>
+              <a:schemeClr val="tx1"/>
+            </a:solidFill>
+            <a:prstDash val="dash"/>
+          </a:ln>
         </p:spPr>
       </p:pic>
       <p:pic>
@@ -16685,11 +16714,17 @@
         <p:spPr>
           <a:xfrm>
             <a:off x="3857770" y="787796"/>
-            <a:ext cx="3657600" cy="1849168"/>
+            <a:ext cx="3679558" cy="1849168"/>
           </a:xfrm>
           <a:prstGeom prst="rect">
             <a:avLst/>
           </a:prstGeom>
+          <a:ln>
+            <a:solidFill>
+              <a:schemeClr val="tx1"/>
+            </a:solidFill>
+            <a:prstDash val="dash"/>
+          </a:ln>
         </p:spPr>
       </p:pic>
       <p:pic>
@@ -16714,12 +16749,18 @@
         </p:blipFill>
         <p:spPr>
           <a:xfrm>
-            <a:off x="3825434" y="2608724"/>
-            <a:ext cx="3657600" cy="1864980"/>
+            <a:off x="3871767" y="2698699"/>
+            <a:ext cx="3657600" cy="1849996"/>
           </a:xfrm>
           <a:prstGeom prst="rect">
             <a:avLst/>
           </a:prstGeom>
+          <a:ln>
+            <a:solidFill>
+              <a:schemeClr val="tx1"/>
+            </a:solidFill>
+            <a:prstDash val="dash"/>
+          </a:ln>
         </p:spPr>
       </p:pic>
       <p:pic>
@@ -16744,12 +16785,18 @@
         </p:blipFill>
         <p:spPr>
           <a:xfrm>
-            <a:off x="3852581" y="4595447"/>
-            <a:ext cx="3657600" cy="1841956"/>
+            <a:off x="3871766" y="4595447"/>
+            <a:ext cx="3665561" cy="1841956"/>
           </a:xfrm>
           <a:prstGeom prst="rect">
             <a:avLst/>
           </a:prstGeom>
+          <a:ln>
+            <a:solidFill>
+              <a:schemeClr val="tx1"/>
+            </a:solidFill>
+            <a:prstDash val="dash"/>
+          </a:ln>
         </p:spPr>
       </p:pic>
       <p:pic>
@@ -16774,12 +16821,18 @@
         </p:blipFill>
         <p:spPr>
           <a:xfrm>
-            <a:off x="7622263" y="816794"/>
+            <a:off x="7737498" y="790382"/>
             <a:ext cx="3657600" cy="1820929"/>
           </a:xfrm>
           <a:prstGeom prst="rect">
             <a:avLst/>
           </a:prstGeom>
+          <a:ln>
+            <a:solidFill>
+              <a:schemeClr val="tx1"/>
+            </a:solidFill>
+            <a:prstDash val="dash"/>
+          </a:ln>
         </p:spPr>
       </p:pic>
       <p:pic>
@@ -16805,11 +16858,17 @@
         <p:spPr>
           <a:xfrm>
             <a:off x="108382" y="4595447"/>
-            <a:ext cx="3700102" cy="1828800"/>
+            <a:ext cx="3628415" cy="1828800"/>
           </a:xfrm>
           <a:prstGeom prst="rect">
             <a:avLst/>
           </a:prstGeom>
+          <a:ln>
+            <a:solidFill>
+              <a:schemeClr val="tx1"/>
+            </a:solidFill>
+            <a:prstDash val="dash"/>
+          </a:ln>
         </p:spPr>
       </p:pic>
       <p:pic>
@@ -16834,12 +16893,18 @@
         </p:blipFill>
         <p:spPr>
           <a:xfrm>
-            <a:off x="112084" y="787795"/>
+            <a:off x="112084" y="787796"/>
             <a:ext cx="3628415" cy="1828800"/>
           </a:xfrm>
           <a:prstGeom prst="rect">
             <a:avLst/>
           </a:prstGeom>
+          <a:ln>
+            <a:solidFill>
+              <a:schemeClr val="tx1"/>
+            </a:solidFill>
+            <a:prstDash val="dash"/>
+          </a:ln>
         </p:spPr>
       </p:pic>
       <p:pic>
@@ -16864,12 +16929,18 @@
         </p:blipFill>
         <p:spPr>
           <a:xfrm>
-            <a:off x="108722" y="2616595"/>
+            <a:off x="108722" y="2691621"/>
             <a:ext cx="3631777" cy="1828800"/>
           </a:xfrm>
           <a:prstGeom prst="rect">
             <a:avLst/>
           </a:prstGeom>
+          <a:ln>
+            <a:solidFill>
+              <a:schemeClr val="tx1"/>
+            </a:solidFill>
+            <a:prstDash val="dash"/>
+          </a:ln>
         </p:spPr>
       </p:pic>
       <p:sp>
